--- a/Presentation/Térinformatikai és távérzékelési alkalmazások  fejlesztése.pptx
+++ b/Presentation/Térinformatikai és távérzékelési alkalmazások  fejlesztése.pptx
@@ -5,7 +5,7 @@
     <p:sldMasterId id="2147483648" r:id="rId1"/>
   </p:sldMasterIdLst>
   <p:notesMasterIdLst>
-    <p:notesMasterId r:id="rId14"/>
+    <p:notesMasterId r:id="rId16"/>
   </p:notesMasterIdLst>
   <p:sldIdLst>
     <p:sldId id="256" r:id="rId2"/>
@@ -16,10 +16,12 @@
     <p:sldId id="262" r:id="rId7"/>
     <p:sldId id="263" r:id="rId8"/>
     <p:sldId id="264" r:id="rId9"/>
-    <p:sldId id="266" r:id="rId10"/>
-    <p:sldId id="265" r:id="rId11"/>
-    <p:sldId id="267" r:id="rId12"/>
-    <p:sldId id="259" r:id="rId13"/>
+    <p:sldId id="269" r:id="rId10"/>
+    <p:sldId id="266" r:id="rId11"/>
+    <p:sldId id="270" r:id="rId12"/>
+    <p:sldId id="265" r:id="rId13"/>
+    <p:sldId id="267" r:id="rId14"/>
+    <p:sldId id="259" r:id="rId15"/>
   </p:sldIdLst>
   <p:sldSz cx="12192000" cy="6858000"/>
   <p:notesSz cx="6858000" cy="9144000"/>
@@ -118,7 +120,16 @@
       </a:defRPr>
     </a:lvl9pPr>
   </p:defaultTextStyle>
+  <p:extLst>
+    <p:ext uri="{EFAFB233-063F-42B5-8137-9DF3F51BA10A}">
+      <p15:sldGuideLst xmlns:p15="http://schemas.microsoft.com/office/powerpoint/2012/main"/>
+    </p:ext>
+  </p:extLst>
 </p:presentation>
+</file>
+
+<file path=ppt/revisionInfo.xml><?xml version="1.0" encoding="utf-8"?>
+<p1510:revInfo xmlns:a="http://schemas.openxmlformats.org/drawingml/2006/main" xmlns:r="http://schemas.openxmlformats.org/officeDocument/2006/relationships" xmlns:p1510="http://schemas.microsoft.com/office/powerpoint/2015/10/main"/>
 </file>
 
 <file path=ppt/notesMasters/notesMaster1.xml><?xml version="1.0" encoding="utf-8"?>
@@ -203,7 +214,7 @@
           <a:p>
             <a:fld id="{42970476-76F5-4EBE-B2D1-2CD30AC43DFE}" type="datetimeFigureOut">
               <a:rPr lang="hu-HU" smtClean="0"/>
-              <a:t>2017. 05. 15.</a:t>
+              <a:t>2017. 05. 16.</a:t>
             </a:fld>
             <a:endParaRPr lang="hu-HU"/>
           </a:p>
@@ -666,7 +677,7 @@
           <a:p>
             <a:fld id="{1BBE7EA7-1B95-4C01-9662-9ED9D27522F7}" type="datetime1">
               <a:rPr lang="en-US" smtClean="0"/>
-              <a:t>5/15/2017</a:t>
+              <a:t>5/16/2017</a:t>
             </a:fld>
             <a:endParaRPr lang="en-US" dirty="0"/>
           </a:p>
@@ -947,7 +958,7 @@
           <a:p>
             <a:fld id="{2125AE1A-1CF5-4303-AB1D-B536C7011C90}" type="datetime1">
               <a:rPr lang="en-US" smtClean="0"/>
-              <a:t>5/15/2017</a:t>
+              <a:t>5/16/2017</a:t>
             </a:fld>
             <a:endParaRPr lang="en-US" dirty="0"/>
           </a:p>
@@ -1138,7 +1149,7 @@
           <a:p>
             <a:fld id="{BAF54109-80BB-4C9C-907A-3962AA099A10}" type="datetime1">
               <a:rPr lang="en-US" smtClean="0"/>
-              <a:t>5/15/2017</a:t>
+              <a:t>5/16/2017</a:t>
             </a:fld>
             <a:endParaRPr lang="en-US" dirty="0"/>
           </a:p>
@@ -1398,7 +1409,7 @@
           <a:p>
             <a:fld id="{DA74B701-9C8E-40DB-8DED-BF4ADD325BF9}" type="datetime1">
               <a:rPr lang="en-US" smtClean="0"/>
-              <a:t>5/15/2017</a:t>
+              <a:t>5/16/2017</a:t>
             </a:fld>
             <a:endParaRPr lang="en-US" dirty="0"/>
           </a:p>
@@ -1823,7 +1834,7 @@
           <a:p>
             <a:fld id="{AC2A197F-D2C0-4AD2-A4AE-2AC1ED8A2FD2}" type="datetime1">
               <a:rPr lang="en-US" smtClean="0"/>
-              <a:t>5/15/2017</a:t>
+              <a:t>5/16/2017</a:t>
             </a:fld>
             <a:endParaRPr lang="en-US" dirty="0"/>
           </a:p>
@@ -2368,7 +2379,7 @@
           <a:p>
             <a:fld id="{4C90C278-F19F-4E24-8089-D0AFCB1D5D38}" type="datetime1">
               <a:rPr lang="en-US" smtClean="0"/>
-              <a:t>5/15/2017</a:t>
+              <a:t>5/16/2017</a:t>
             </a:fld>
             <a:endParaRPr lang="en-US" dirty="0"/>
           </a:p>
@@ -3198,7 +3209,7 @@
           <a:p>
             <a:fld id="{69C12012-E1DF-44CE-8A07-51C322779B59}" type="datetime1">
               <a:rPr lang="en-US" smtClean="0"/>
-              <a:t>5/15/2017</a:t>
+              <a:t>5/16/2017</a:t>
             </a:fld>
             <a:endParaRPr lang="en-US" dirty="0"/>
           </a:p>
@@ -3367,7 +3378,7 @@
           <a:p>
             <a:fld id="{2CEDC67D-73E3-4E44-82B6-8E66D9CFE22A}" type="datetime1">
               <a:rPr lang="en-US" smtClean="0"/>
-              <a:t>5/15/2017</a:t>
+              <a:t>5/16/2017</a:t>
             </a:fld>
             <a:endParaRPr lang="en-US" dirty="0"/>
           </a:p>
@@ -3546,7 +3557,7 @@
           <a:p>
             <a:fld id="{6C95F9D3-D0A8-4037-9129-323FD593C6BB}" type="datetime1">
               <a:rPr lang="en-US" smtClean="0"/>
-              <a:t>5/15/2017</a:t>
+              <a:t>5/16/2017</a:t>
             </a:fld>
             <a:endParaRPr lang="en-US" dirty="0"/>
           </a:p>
@@ -3715,7 +3726,7 @@
           <a:p>
             <a:fld id="{14F0A3B0-F8D4-4296-B72B-1E75CE768928}" type="datetime1">
               <a:rPr lang="en-US" smtClean="0"/>
-              <a:t>5/15/2017</a:t>
+              <a:t>5/16/2017</a:t>
             </a:fld>
             <a:endParaRPr lang="en-US" dirty="0"/>
           </a:p>
@@ -3971,7 +3982,7 @@
           <a:p>
             <a:fld id="{A349FED7-FAF7-4C43-ADB2-0B5839DA6312}" type="datetime1">
               <a:rPr lang="en-US" smtClean="0"/>
-              <a:t>5/15/2017</a:t>
+              <a:t>5/16/2017</a:t>
             </a:fld>
             <a:endParaRPr lang="en-US" dirty="0"/>
           </a:p>
@@ -4202,7 +4213,7 @@
           <a:p>
             <a:fld id="{75457E01-9956-4B71-9F12-B9A5B001BCF7}" type="datetime1">
               <a:rPr lang="en-US" smtClean="0"/>
-              <a:t>5/15/2017</a:t>
+              <a:t>5/16/2017</a:t>
             </a:fld>
             <a:endParaRPr lang="en-US" dirty="0"/>
           </a:p>
@@ -4594,7 +4605,7 @@
           <a:p>
             <a:fld id="{D9D8BF24-85E2-4241-A511-8CE82F95CB02}" type="datetime1">
               <a:rPr lang="en-US" smtClean="0"/>
-              <a:t>5/15/2017</a:t>
+              <a:t>5/16/2017</a:t>
             </a:fld>
             <a:endParaRPr lang="en-US" dirty="0"/>
           </a:p>
@@ -4711,7 +4722,7 @@
           <a:p>
             <a:fld id="{B2E83917-EAE3-463E-85CF-F575B571EB4D}" type="datetime1">
               <a:rPr lang="en-US" smtClean="0"/>
-              <a:t>5/15/2017</a:t>
+              <a:t>5/16/2017</a:t>
             </a:fld>
             <a:endParaRPr lang="en-US" dirty="0"/>
           </a:p>
@@ -4805,7 +4816,7 @@
           <a:p>
             <a:fld id="{5077147F-7A3F-4F39-9D36-12CF1DDD3491}" type="datetime1">
               <a:rPr lang="en-US" smtClean="0"/>
-              <a:t>5/15/2017</a:t>
+              <a:t>5/16/2017</a:t>
             </a:fld>
             <a:endParaRPr lang="en-US" dirty="0"/>
           </a:p>
@@ -5077,7 +5088,7 @@
           <a:p>
             <a:fld id="{F17EE096-5F76-4FF2-A3CB-82307EBFB5B9}" type="datetime1">
               <a:rPr lang="en-US" smtClean="0"/>
-              <a:t>5/15/2017</a:t>
+              <a:t>5/16/2017</a:t>
             </a:fld>
             <a:endParaRPr lang="en-US" dirty="0"/>
           </a:p>
@@ -5357,7 +5368,7 @@
           <a:p>
             <a:fld id="{6C763BA8-A3A6-4A52-BE68-56AF473D710E}" type="datetime1">
               <a:rPr lang="en-US" smtClean="0"/>
-              <a:t>5/15/2017</a:t>
+              <a:t>5/16/2017</a:t>
             </a:fld>
             <a:endParaRPr lang="en-US" dirty="0"/>
           </a:p>
@@ -5596,7 +5607,7 @@
           <a:p>
             <a:fld id="{6A5979D0-4336-42DF-9153-66C957877EA6}" type="datetime1">
               <a:rPr lang="en-US" smtClean="0"/>
-              <a:t>5/15/2017</a:t>
+              <a:t>5/16/2017</a:t>
             </a:fld>
             <a:endParaRPr lang="en-US" dirty="0"/>
           </a:p>
@@ -6296,1285 +6307,6 @@
       </p:grpSpPr>
       <p:sp>
         <p:nvSpPr>
-          <p:cNvPr id="2" name="Cím 1"/>
-          <p:cNvSpPr>
-            <a:spLocks noGrp="1"/>
-          </p:cNvSpPr>
-          <p:nvPr>
-            <p:ph type="title"/>
-          </p:nvPr>
-        </p:nvSpPr>
-        <p:spPr>
-          <a:xfrm>
-            <a:off x="838200" y="365125"/>
-            <a:ext cx="10515600" cy="1325563"/>
-          </a:xfrm>
-        </p:spPr>
-        <p:txBody>
-          <a:bodyPr/>
-          <a:lstStyle/>
-          <a:p>
-            <a:r>
-              <a:rPr lang="hu-HU"/>
-              <a:t>Zajszűrés</a:t>
-            </a:r>
-            <a:endParaRPr lang="hu-HU" dirty="0"/>
-          </a:p>
-        </p:txBody>
-      </p:sp>
-      <p:sp>
-        <p:nvSpPr>
-          <p:cNvPr id="3" name="Tartalom helye 2"/>
-          <p:cNvSpPr>
-            <a:spLocks noGrp="1"/>
-          </p:cNvSpPr>
-          <p:nvPr>
-            <p:ph idx="1"/>
-          </p:nvPr>
-        </p:nvSpPr>
-        <p:spPr>
-          <a:xfrm>
-            <a:off x="1120000" y="1825625"/>
-            <a:ext cx="5048980" cy="4351338"/>
-          </a:xfrm>
-        </p:spPr>
-        <p:txBody>
-          <a:bodyPr/>
-          <a:lstStyle/>
-          <a:p>
-            <a:r>
-              <a:rPr lang="hu-HU"/>
-              <a:t>Lehetnek olyan pontok a LIDAR technológiából adódóan, ahol nincs mérési adatunk.</a:t>
-            </a:r>
-          </a:p>
-          <a:p>
-            <a:r>
-              <a:rPr lang="hu-HU"/>
-              <a:t>Ha csak kicsik ezek a területek, akkor kiszűrhetőek</a:t>
-            </a:r>
-          </a:p>
-          <a:p>
-            <a:r>
-              <a:rPr lang="hu-HU"/>
-              <a:t>Ha nagyok, akkor meg se próbáljuk értelmezni</a:t>
-            </a:r>
-            <a:endParaRPr lang="hu-HU" dirty="0"/>
-          </a:p>
-        </p:txBody>
-      </p:sp>
-      <p:sp>
-        <p:nvSpPr>
-          <p:cNvPr id="4" name="Élőláb helye 3"/>
-          <p:cNvSpPr>
-            <a:spLocks noGrp="1"/>
-          </p:cNvSpPr>
-          <p:nvPr>
-            <p:ph type="ftr" sz="quarter" idx="11"/>
-          </p:nvPr>
-        </p:nvSpPr>
-        <p:spPr>
-          <a:xfrm>
-            <a:off x="4038600" y="6356350"/>
-            <a:ext cx="4114800" cy="365125"/>
-          </a:xfrm>
-        </p:spPr>
-        <p:txBody>
-          <a:bodyPr/>
-          <a:lstStyle/>
-          <a:p>
-            <a:r>
-              <a:rPr lang="en-US"/>
-              <a:t>Bálint Márton 2017</a:t>
-            </a:r>
-            <a:endParaRPr lang="en-US" dirty="0"/>
-          </a:p>
-        </p:txBody>
-      </p:sp>
-      <p:pic>
-        <p:nvPicPr>
-          <p:cNvPr id="5" name="Kép 4"/>
-          <p:cNvPicPr>
-            <a:picLocks noChangeAspect="1"/>
-          </p:cNvPicPr>
-          <p:nvPr/>
-        </p:nvPicPr>
-        <p:blipFill>
-          <a:blip r:embed="rId2"/>
-          <a:stretch>
-            <a:fillRect/>
-          </a:stretch>
-        </p:blipFill>
-        <p:spPr>
-          <a:xfrm>
-            <a:off x="7288368" y="293418"/>
-            <a:ext cx="3848637" cy="5953956"/>
-          </a:xfrm>
-          <a:prstGeom prst="rect">
-            <a:avLst/>
-          </a:prstGeom>
-        </p:spPr>
-      </p:pic>
-    </p:spTree>
-    <p:extLst>
-      <p:ext uri="{BB962C8B-B14F-4D97-AF65-F5344CB8AC3E}">
-        <p14:creationId xmlns:p14="http://schemas.microsoft.com/office/powerpoint/2010/main" val="357920076"/>
-      </p:ext>
-    </p:extLst>
-  </p:cSld>
-  <p:clrMapOvr>
-    <a:masterClrMapping/>
-  </p:clrMapOvr>
-</p:sld>
-</file>
-
-<file path=ppt/slides/slide11.xml><?xml version="1.0" encoding="utf-8"?>
-<p:sld xmlns:a="http://schemas.openxmlformats.org/drawingml/2006/main" xmlns:r="http://schemas.openxmlformats.org/officeDocument/2006/relationships" xmlns:p="http://schemas.openxmlformats.org/presentationml/2006/main">
-  <p:cSld>
-    <p:spTree>
-      <p:nvGrpSpPr>
-        <p:cNvPr id="1" name=""/>
-        <p:cNvGrpSpPr/>
-        <p:nvPr/>
-      </p:nvGrpSpPr>
-      <p:grpSpPr>
-        <a:xfrm>
-          <a:off x="0" y="0"/>
-          <a:ext cx="0" cy="0"/>
-          <a:chOff x="0" y="0"/>
-          <a:chExt cx="0" cy="0"/>
-        </a:xfrm>
-      </p:grpSpPr>
-      <p:sp>
-        <p:nvSpPr>
-          <p:cNvPr id="2" name="Cím 1"/>
-          <p:cNvSpPr>
-            <a:spLocks noGrp="1"/>
-          </p:cNvSpPr>
-          <p:nvPr>
-            <p:ph type="title"/>
-          </p:nvPr>
-        </p:nvSpPr>
-        <p:spPr/>
-        <p:txBody>
-          <a:bodyPr/>
-          <a:lstStyle/>
-          <a:p>
-            <a:r>
-              <a:rPr lang="hu-HU" dirty="0"/>
-              <a:t>Megvalósítás</a:t>
-            </a:r>
-          </a:p>
-        </p:txBody>
-      </p:sp>
-      <p:sp>
-        <p:nvSpPr>
-          <p:cNvPr id="3" name="Tartalom helye 2"/>
-          <p:cNvSpPr>
-            <a:spLocks noGrp="1"/>
-          </p:cNvSpPr>
-          <p:nvPr>
-            <p:ph idx="1"/>
-          </p:nvPr>
-        </p:nvSpPr>
-        <p:spPr/>
-        <p:txBody>
-          <a:bodyPr/>
-          <a:lstStyle/>
-          <a:p>
-            <a:r>
-              <a:rPr lang="hu-HU" dirty="0"/>
-              <a:t>Környezet</a:t>
-            </a:r>
-          </a:p>
-          <a:p>
-            <a:pPr lvl="1"/>
-            <a:r>
-              <a:rPr lang="hu-HU" dirty="0"/>
-              <a:t>C++</a:t>
-            </a:r>
-          </a:p>
-          <a:p>
-            <a:pPr lvl="2"/>
-            <a:r>
-              <a:rPr lang="hu-HU" dirty="0"/>
-              <a:t>Gyors</a:t>
-            </a:r>
-          </a:p>
-          <a:p>
-            <a:pPr lvl="1"/>
-            <a:r>
-              <a:rPr lang="hu-HU" dirty="0"/>
-              <a:t>Windows (MFC)</a:t>
-            </a:r>
-          </a:p>
-          <a:p>
-            <a:pPr lvl="1"/>
-            <a:r>
-              <a:rPr lang="hu-HU" dirty="0" err="1"/>
-              <a:t>OpenCV</a:t>
-            </a:r>
-            <a:endParaRPr lang="hu-HU" dirty="0"/>
-          </a:p>
-          <a:p>
-            <a:pPr lvl="2"/>
-            <a:r>
-              <a:rPr lang="hu-HU" dirty="0"/>
-              <a:t>Kényelmes beépített matematikai osztályok</a:t>
-            </a:r>
-          </a:p>
-          <a:p>
-            <a:pPr lvl="2"/>
-            <a:r>
-              <a:rPr lang="hu-HU" dirty="0"/>
-              <a:t>Rengeteg segítség a raszteres képfeldolgozáshoz</a:t>
-            </a:r>
-          </a:p>
-          <a:p>
-            <a:pPr lvl="2"/>
-            <a:r>
-              <a:rPr lang="hu-HU" dirty="0"/>
-              <a:t>GPU gyorsítás bizonyos algoritmusokhoz</a:t>
-            </a:r>
-          </a:p>
-        </p:txBody>
-      </p:sp>
-      <p:sp>
-        <p:nvSpPr>
-          <p:cNvPr id="4" name="Élőláb helye 3"/>
-          <p:cNvSpPr>
-            <a:spLocks noGrp="1"/>
-          </p:cNvSpPr>
-          <p:nvPr>
-            <p:ph type="ftr" sz="quarter" idx="11"/>
-          </p:nvPr>
-        </p:nvSpPr>
-        <p:spPr/>
-        <p:txBody>
-          <a:bodyPr/>
-          <a:lstStyle/>
-          <a:p>
-            <a:r>
-              <a:rPr lang="en-US"/>
-              <a:t>Bálint Márton 2017</a:t>
-            </a:r>
-            <a:endParaRPr lang="en-US" dirty="0"/>
-          </a:p>
-        </p:txBody>
-      </p:sp>
-    </p:spTree>
-    <p:extLst>
-      <p:ext uri="{BB962C8B-B14F-4D97-AF65-F5344CB8AC3E}">
-        <p14:creationId xmlns:p14="http://schemas.microsoft.com/office/powerpoint/2010/main" val="3168473436"/>
-      </p:ext>
-    </p:extLst>
-  </p:cSld>
-  <p:clrMapOvr>
-    <a:masterClrMapping/>
-  </p:clrMapOvr>
-</p:sld>
-</file>
-
-<file path=ppt/slides/slide12.xml><?xml version="1.0" encoding="utf-8"?>
-<p:sld xmlns:a="http://schemas.openxmlformats.org/drawingml/2006/main" xmlns:r="http://schemas.openxmlformats.org/officeDocument/2006/relationships" xmlns:p="http://schemas.openxmlformats.org/presentationml/2006/main">
-  <p:cSld>
-    <p:spTree>
-      <p:nvGrpSpPr>
-        <p:cNvPr id="1" name=""/>
-        <p:cNvGrpSpPr/>
-        <p:nvPr/>
-      </p:nvGrpSpPr>
-      <p:grpSpPr>
-        <a:xfrm>
-          <a:off x="0" y="0"/>
-          <a:ext cx="0" cy="0"/>
-          <a:chOff x="0" y="0"/>
-          <a:chExt cx="0" cy="0"/>
-        </a:xfrm>
-      </p:grpSpPr>
-      <p:sp>
-        <p:nvSpPr>
-          <p:cNvPr id="2" name="Cím 1"/>
-          <p:cNvSpPr>
-            <a:spLocks noGrp="1"/>
-          </p:cNvSpPr>
-          <p:nvPr>
-            <p:ph type="title"/>
-          </p:nvPr>
-        </p:nvSpPr>
-        <p:spPr>
-          <a:xfrm>
-            <a:off x="838200" y="2515897"/>
-            <a:ext cx="10515600" cy="1325563"/>
-          </a:xfrm>
-        </p:spPr>
-        <p:txBody>
-          <a:bodyPr/>
-          <a:lstStyle/>
-          <a:p>
-            <a:pPr algn="ctr"/>
-            <a:r>
-              <a:rPr lang="hu-HU" dirty="0"/>
-              <a:t>Köszönöm a figyelmet</a:t>
-            </a:r>
-          </a:p>
-        </p:txBody>
-      </p:sp>
-      <p:sp>
-        <p:nvSpPr>
-          <p:cNvPr id="3" name="Élőláb helye 2"/>
-          <p:cNvSpPr>
-            <a:spLocks noGrp="1"/>
-          </p:cNvSpPr>
-          <p:nvPr>
-            <p:ph type="ftr" sz="quarter" idx="11"/>
-          </p:nvPr>
-        </p:nvSpPr>
-        <p:spPr/>
-        <p:txBody>
-          <a:bodyPr/>
-          <a:lstStyle/>
-          <a:p>
-            <a:r>
-              <a:rPr lang="en-US"/>
-              <a:t>Bálint Márton 2017</a:t>
-            </a:r>
-            <a:endParaRPr lang="en-US" dirty="0"/>
-          </a:p>
-        </p:txBody>
-      </p:sp>
-    </p:spTree>
-    <p:extLst>
-      <p:ext uri="{BB962C8B-B14F-4D97-AF65-F5344CB8AC3E}">
-        <p14:creationId xmlns:p14="http://schemas.microsoft.com/office/powerpoint/2010/main" val="1639476323"/>
-      </p:ext>
-    </p:extLst>
-  </p:cSld>
-  <p:clrMapOvr>
-    <a:masterClrMapping/>
-  </p:clrMapOvr>
-</p:sld>
-</file>
-
-<file path=ppt/slides/slide2.xml><?xml version="1.0" encoding="utf-8"?>
-<p:sld xmlns:a="http://schemas.openxmlformats.org/drawingml/2006/main" xmlns:r="http://schemas.openxmlformats.org/officeDocument/2006/relationships" xmlns:p="http://schemas.openxmlformats.org/presentationml/2006/main">
-  <p:cSld>
-    <p:spTree>
-      <p:nvGrpSpPr>
-        <p:cNvPr id="1" name=""/>
-        <p:cNvGrpSpPr/>
-        <p:nvPr/>
-      </p:nvGrpSpPr>
-      <p:grpSpPr>
-        <a:xfrm>
-          <a:off x="0" y="0"/>
-          <a:ext cx="0" cy="0"/>
-          <a:chOff x="0" y="0"/>
-          <a:chExt cx="0" cy="0"/>
-        </a:xfrm>
-      </p:grpSpPr>
-      <p:sp>
-        <p:nvSpPr>
-          <p:cNvPr id="2" name="Cím 1"/>
-          <p:cNvSpPr>
-            <a:spLocks noGrp="1"/>
-          </p:cNvSpPr>
-          <p:nvPr>
-            <p:ph type="title"/>
-          </p:nvPr>
-        </p:nvSpPr>
-        <p:spPr/>
-        <p:txBody>
-          <a:bodyPr>
-            <a:normAutofit/>
-          </a:bodyPr>
-          <a:lstStyle/>
-          <a:p>
-            <a:r>
-              <a:rPr lang="hu-HU" dirty="0"/>
-              <a:t>Cél</a:t>
-            </a:r>
-          </a:p>
-        </p:txBody>
-      </p:sp>
-      <p:sp>
-        <p:nvSpPr>
-          <p:cNvPr id="3" name="Tartalom helye 2"/>
-          <p:cNvSpPr>
-            <a:spLocks noGrp="1"/>
-          </p:cNvSpPr>
-          <p:nvPr>
-            <p:ph idx="1"/>
-          </p:nvPr>
-        </p:nvSpPr>
-        <p:spPr/>
-        <p:txBody>
-          <a:bodyPr/>
-          <a:lstStyle/>
-          <a:p>
-            <a:r>
-              <a:rPr lang="hu-HU" dirty="0"/>
-              <a:t>Két, eltérő időben készült LIDAR kép alapján felderíteni az új, vagy lerombolt épületeket</a:t>
-            </a:r>
-          </a:p>
-          <a:p>
-            <a:r>
-              <a:rPr lang="hu-HU" dirty="0"/>
-              <a:t>Technológia: LIDAR (</a:t>
-            </a:r>
-            <a:r>
-              <a:rPr lang="hu-HU" dirty="0" err="1"/>
-              <a:t>Light</a:t>
-            </a:r>
-            <a:r>
-              <a:rPr lang="hu-HU" dirty="0"/>
-              <a:t> </a:t>
-            </a:r>
-            <a:r>
-              <a:rPr lang="hu-HU" dirty="0" err="1"/>
-              <a:t>Detection</a:t>
-            </a:r>
-            <a:r>
-              <a:rPr lang="hu-HU" dirty="0"/>
-              <a:t> And Ranging)</a:t>
-            </a:r>
-          </a:p>
-          <a:p>
-            <a:r>
-              <a:rPr lang="hu-HU" dirty="0"/>
-              <a:t>Csak magasságértékeink vannak</a:t>
-            </a:r>
-          </a:p>
-          <a:p>
-            <a:r>
-              <a:rPr lang="hu-HU" dirty="0"/>
-              <a:t>Az illesztés problémáját megoldottnak tekintjük</a:t>
-            </a:r>
-          </a:p>
-        </p:txBody>
-      </p:sp>
-      <p:sp>
-        <p:nvSpPr>
-          <p:cNvPr id="4" name="Élőláb helye 3"/>
-          <p:cNvSpPr>
-            <a:spLocks noGrp="1"/>
-          </p:cNvSpPr>
-          <p:nvPr>
-            <p:ph type="ftr" sz="quarter" idx="11"/>
-          </p:nvPr>
-        </p:nvSpPr>
-        <p:spPr/>
-        <p:txBody>
-          <a:bodyPr/>
-          <a:lstStyle/>
-          <a:p>
-            <a:r>
-              <a:rPr lang="en-US"/>
-              <a:t>Bálint Márton 2017</a:t>
-            </a:r>
-            <a:endParaRPr lang="en-US" dirty="0"/>
-          </a:p>
-        </p:txBody>
-      </p:sp>
-    </p:spTree>
-    <p:extLst>
-      <p:ext uri="{BB962C8B-B14F-4D97-AF65-F5344CB8AC3E}">
-        <p14:creationId xmlns:p14="http://schemas.microsoft.com/office/powerpoint/2010/main" val="218132223"/>
-      </p:ext>
-    </p:extLst>
-  </p:cSld>
-  <p:clrMapOvr>
-    <a:masterClrMapping/>
-  </p:clrMapOvr>
-</p:sld>
-</file>
-
-<file path=ppt/slides/slide3.xml><?xml version="1.0" encoding="utf-8"?>
-<p:sld xmlns:a="http://schemas.openxmlformats.org/drawingml/2006/main" xmlns:r="http://schemas.openxmlformats.org/officeDocument/2006/relationships" xmlns:p="http://schemas.openxmlformats.org/presentationml/2006/main">
-  <p:cSld>
-    <p:spTree>
-      <p:nvGrpSpPr>
-        <p:cNvPr id="1" name=""/>
-        <p:cNvGrpSpPr/>
-        <p:nvPr/>
-      </p:nvGrpSpPr>
-      <p:grpSpPr>
-        <a:xfrm>
-          <a:off x="0" y="0"/>
-          <a:ext cx="0" cy="0"/>
-          <a:chOff x="0" y="0"/>
-          <a:chExt cx="0" cy="0"/>
-        </a:xfrm>
-      </p:grpSpPr>
-      <p:sp>
-        <p:nvSpPr>
-          <p:cNvPr id="2" name="Cím 1"/>
-          <p:cNvSpPr>
-            <a:spLocks noGrp="1"/>
-          </p:cNvSpPr>
-          <p:nvPr>
-            <p:ph type="title"/>
-          </p:nvPr>
-        </p:nvSpPr>
-        <p:spPr/>
-        <p:txBody>
-          <a:bodyPr/>
-          <a:lstStyle/>
-          <a:p>
-            <a:r>
-              <a:rPr lang="hu-HU" dirty="0"/>
-              <a:t>Motiváció</a:t>
-            </a:r>
-          </a:p>
-        </p:txBody>
-      </p:sp>
-      <p:sp>
-        <p:nvSpPr>
-          <p:cNvPr id="3" name="Tartalom helye 2"/>
-          <p:cNvSpPr>
-            <a:spLocks noGrp="1"/>
-          </p:cNvSpPr>
-          <p:nvPr>
-            <p:ph idx="1"/>
-          </p:nvPr>
-        </p:nvSpPr>
-        <p:spPr/>
-        <p:txBody>
-          <a:bodyPr/>
-          <a:lstStyle/>
-          <a:p>
-            <a:r>
-              <a:rPr lang="hu-HU" dirty="0"/>
-              <a:t>Földrengés, egyéb katasztrófa estén a bajbajutottak gyors felderítése</a:t>
-            </a:r>
-          </a:p>
-          <a:p>
-            <a:r>
-              <a:rPr lang="hu-HU" dirty="0"/>
-              <a:t>Kárfelmérés</a:t>
-            </a:r>
-          </a:p>
-          <a:p>
-            <a:r>
-              <a:rPr lang="hu-HU" dirty="0"/>
-              <a:t>Civil </a:t>
-            </a:r>
-            <a:r>
-              <a:rPr lang="hu-HU" dirty="0" err="1"/>
-              <a:t>engineering</a:t>
-            </a:r>
-            <a:r>
-              <a:rPr lang="hu-HU" dirty="0"/>
-              <a:t>: városfejlődés</a:t>
-            </a:r>
-          </a:p>
-          <a:p>
-            <a:endParaRPr lang="hu-HU" dirty="0"/>
-          </a:p>
-        </p:txBody>
-      </p:sp>
-      <p:sp>
-        <p:nvSpPr>
-          <p:cNvPr id="4" name="Élőláb helye 3"/>
-          <p:cNvSpPr>
-            <a:spLocks noGrp="1"/>
-          </p:cNvSpPr>
-          <p:nvPr>
-            <p:ph type="ftr" sz="quarter" idx="11"/>
-          </p:nvPr>
-        </p:nvSpPr>
-        <p:spPr/>
-        <p:txBody>
-          <a:bodyPr/>
-          <a:lstStyle/>
-          <a:p>
-            <a:r>
-              <a:rPr lang="en-US"/>
-              <a:t>Bálint Márton 2017</a:t>
-            </a:r>
-            <a:endParaRPr lang="en-US" dirty="0"/>
-          </a:p>
-        </p:txBody>
-      </p:sp>
-    </p:spTree>
-    <p:extLst>
-      <p:ext uri="{BB962C8B-B14F-4D97-AF65-F5344CB8AC3E}">
-        <p14:creationId xmlns:p14="http://schemas.microsoft.com/office/powerpoint/2010/main" val="3491448636"/>
-      </p:ext>
-    </p:extLst>
-  </p:cSld>
-  <p:clrMapOvr>
-    <a:masterClrMapping/>
-  </p:clrMapOvr>
-</p:sld>
-</file>
-
-<file path=ppt/slides/slide4.xml><?xml version="1.0" encoding="utf-8"?>
-<p:sld xmlns:a="http://schemas.openxmlformats.org/drawingml/2006/main" xmlns:r="http://schemas.openxmlformats.org/officeDocument/2006/relationships" xmlns:p="http://schemas.openxmlformats.org/presentationml/2006/main">
-  <p:cSld>
-    <p:spTree>
-      <p:nvGrpSpPr>
-        <p:cNvPr id="1" name=""/>
-        <p:cNvGrpSpPr/>
-        <p:nvPr/>
-      </p:nvGrpSpPr>
-      <p:grpSpPr>
-        <a:xfrm>
-          <a:off x="0" y="0"/>
-          <a:ext cx="0" cy="0"/>
-          <a:chOff x="0" y="0"/>
-          <a:chExt cx="0" cy="0"/>
-        </a:xfrm>
-      </p:grpSpPr>
-      <p:sp>
-        <p:nvSpPr>
-          <p:cNvPr id="2" name="Cím 1"/>
-          <p:cNvSpPr>
-            <a:spLocks noGrp="1"/>
-          </p:cNvSpPr>
-          <p:nvPr>
-            <p:ph type="title"/>
-          </p:nvPr>
-        </p:nvSpPr>
-        <p:spPr/>
-        <p:txBody>
-          <a:bodyPr>
-            <a:normAutofit/>
-          </a:bodyPr>
-          <a:lstStyle/>
-          <a:p>
-            <a:r>
-              <a:rPr lang="hu-HU" dirty="0"/>
-              <a:t>Az algoritmus lépései</a:t>
-            </a:r>
-          </a:p>
-        </p:txBody>
-      </p:sp>
-      <p:sp>
-        <p:nvSpPr>
-          <p:cNvPr id="3" name="Tartalom helye 2"/>
-          <p:cNvSpPr>
-            <a:spLocks noGrp="1"/>
-          </p:cNvSpPr>
-          <p:nvPr>
-            <p:ph idx="1"/>
-          </p:nvPr>
-        </p:nvSpPr>
-        <p:spPr/>
-        <p:txBody>
-          <a:bodyPr/>
-          <a:lstStyle/>
-          <a:p>
-            <a:r>
-              <a:rPr lang="hu-HU" dirty="0"/>
-              <a:t>Durva szűrővel (pl. Gauss nagy szigmával) elsimítjuk a képet, és ezt kivonjuk az eredeti képből, ezzel „normalizáljuk” a képet, azaz kiszűrjük a </a:t>
-            </a:r>
-            <a:r>
-              <a:rPr lang="hu-HU" dirty="0" err="1"/>
-              <a:t>topografikus</a:t>
-            </a:r>
-            <a:r>
-              <a:rPr lang="hu-HU" dirty="0"/>
-              <a:t> változásokat(dombok, völgyek).</a:t>
-            </a:r>
-          </a:p>
-          <a:p>
-            <a:r>
-              <a:rPr lang="hu-HU" dirty="0" err="1"/>
-              <a:t>Region</a:t>
-            </a:r>
-            <a:r>
-              <a:rPr lang="hu-HU" dirty="0"/>
-              <a:t> </a:t>
-            </a:r>
-            <a:r>
-              <a:rPr lang="hu-HU" dirty="0" err="1"/>
-              <a:t>growing</a:t>
-            </a:r>
-            <a:r>
-              <a:rPr lang="hu-HU" dirty="0"/>
-              <a:t> </a:t>
-            </a:r>
-            <a:r>
-              <a:rPr lang="hu-HU" dirty="0" err="1"/>
-              <a:t>segmentation</a:t>
-            </a:r>
-            <a:r>
-              <a:rPr lang="hu-HU" dirty="0"/>
-              <a:t>: lehetséges épületpontokból kiindulva növeljük az egyes szegmensek területét</a:t>
-            </a:r>
-          </a:p>
-          <a:p>
-            <a:pPr lvl="1"/>
-            <a:r>
-              <a:rPr lang="hu-HU" dirty="0"/>
-              <a:t>Ha valami annyira kicsi, hogy nem lehet épület, akkor azt eldobjuk</a:t>
-            </a:r>
-          </a:p>
-          <a:p>
-            <a:pPr lvl="1"/>
-            <a:r>
-              <a:rPr lang="hu-HU" dirty="0"/>
-              <a:t>A szegmensek </a:t>
-            </a:r>
-            <a:r>
-              <a:rPr lang="hu-HU" dirty="0" err="1"/>
-              <a:t>széleit</a:t>
-            </a:r>
-            <a:r>
-              <a:rPr lang="hu-HU" dirty="0"/>
-              <a:t> meghatározza, hogy nem lehet nagyobb a meredekség egy előre meghatározott értéknél</a:t>
-            </a:r>
-          </a:p>
-          <a:p>
-            <a:pPr lvl="1"/>
-            <a:endParaRPr lang="hu-HU" dirty="0"/>
-          </a:p>
-        </p:txBody>
-      </p:sp>
-      <p:sp>
-        <p:nvSpPr>
-          <p:cNvPr id="4" name="Élőláb helye 3"/>
-          <p:cNvSpPr>
-            <a:spLocks noGrp="1"/>
-          </p:cNvSpPr>
-          <p:nvPr>
-            <p:ph type="ftr" sz="quarter" idx="11"/>
-          </p:nvPr>
-        </p:nvSpPr>
-        <p:spPr/>
-        <p:txBody>
-          <a:bodyPr/>
-          <a:lstStyle/>
-          <a:p>
-            <a:r>
-              <a:rPr lang="en-US" dirty="0"/>
-              <a:t>Bálint Márton 2017</a:t>
-            </a:r>
-          </a:p>
-        </p:txBody>
-      </p:sp>
-    </p:spTree>
-    <p:extLst>
-      <p:ext uri="{BB962C8B-B14F-4D97-AF65-F5344CB8AC3E}">
-        <p14:creationId xmlns:p14="http://schemas.microsoft.com/office/powerpoint/2010/main" val="3370481934"/>
-      </p:ext>
-    </p:extLst>
-  </p:cSld>
-  <p:clrMapOvr>
-    <a:masterClrMapping/>
-  </p:clrMapOvr>
-</p:sld>
-</file>
-
-<file path=ppt/slides/slide5.xml><?xml version="1.0" encoding="utf-8"?>
-<p:sld xmlns:a="http://schemas.openxmlformats.org/drawingml/2006/main" xmlns:r="http://schemas.openxmlformats.org/officeDocument/2006/relationships" xmlns:p="http://schemas.openxmlformats.org/presentationml/2006/main">
-  <p:cSld>
-    <p:spTree>
-      <p:nvGrpSpPr>
-        <p:cNvPr id="1" name=""/>
-        <p:cNvGrpSpPr/>
-        <p:nvPr/>
-      </p:nvGrpSpPr>
-      <p:grpSpPr>
-        <a:xfrm>
-          <a:off x="0" y="0"/>
-          <a:ext cx="0" cy="0"/>
-          <a:chOff x="0" y="0"/>
-          <a:chExt cx="0" cy="0"/>
-        </a:xfrm>
-      </p:grpSpPr>
-      <p:sp>
-        <p:nvSpPr>
-          <p:cNvPr id="2" name="Cím 1"/>
-          <p:cNvSpPr>
-            <a:spLocks noGrp="1"/>
-          </p:cNvSpPr>
-          <p:nvPr>
-            <p:ph type="title"/>
-          </p:nvPr>
-        </p:nvSpPr>
-        <p:spPr/>
-        <p:txBody>
-          <a:bodyPr/>
-          <a:lstStyle/>
-          <a:p>
-            <a:r>
-              <a:rPr lang="hu-HU" dirty="0"/>
-              <a:t>Az algoritmus lépései</a:t>
-            </a:r>
-          </a:p>
-        </p:txBody>
-      </p:sp>
-      <p:sp>
-        <p:nvSpPr>
-          <p:cNvPr id="3" name="Tartalom helye 2"/>
-          <p:cNvSpPr>
-            <a:spLocks noGrp="1"/>
-          </p:cNvSpPr>
-          <p:nvPr>
-            <p:ph idx="1"/>
-          </p:nvPr>
-        </p:nvSpPr>
-        <p:spPr/>
-        <p:txBody>
-          <a:bodyPr/>
-          <a:lstStyle/>
-          <a:p>
-            <a:r>
-              <a:rPr lang="hu-HU" dirty="0"/>
-              <a:t>Klasszifikálás: A megmaradt szegmenseket tovább tudjuk szűrni egyéb tulajdonságok alapján (méret, a legalacsonyabb és legmagasabb pontja közti különbség, a környező szegmensek magassága, stb.)</a:t>
-            </a:r>
-          </a:p>
-          <a:p>
-            <a:r>
-              <a:rPr lang="hu-HU" i="1" dirty="0"/>
-              <a:t>Megjegyzés: Egy igazi városi alkalmazásnál rendelkezésre állhatnak az előre szegmentált adatok</a:t>
-            </a:r>
-          </a:p>
-          <a:p>
-            <a:endParaRPr lang="hu-HU" dirty="0"/>
-          </a:p>
-        </p:txBody>
-      </p:sp>
-      <p:sp>
-        <p:nvSpPr>
-          <p:cNvPr id="4" name="Élőláb helye 3"/>
-          <p:cNvSpPr>
-            <a:spLocks noGrp="1"/>
-          </p:cNvSpPr>
-          <p:nvPr>
-            <p:ph type="ftr" sz="quarter" idx="11"/>
-          </p:nvPr>
-        </p:nvSpPr>
-        <p:spPr/>
-        <p:txBody>
-          <a:bodyPr/>
-          <a:lstStyle/>
-          <a:p>
-            <a:r>
-              <a:rPr lang="en-US"/>
-              <a:t>Bálint Márton 2017</a:t>
-            </a:r>
-            <a:endParaRPr lang="en-US" dirty="0"/>
-          </a:p>
-        </p:txBody>
-      </p:sp>
-    </p:spTree>
-    <p:extLst>
-      <p:ext uri="{BB962C8B-B14F-4D97-AF65-F5344CB8AC3E}">
-        <p14:creationId xmlns:p14="http://schemas.microsoft.com/office/powerpoint/2010/main" val="1903762725"/>
-      </p:ext>
-    </p:extLst>
-  </p:cSld>
-  <p:clrMapOvr>
-    <a:masterClrMapping/>
-  </p:clrMapOvr>
-</p:sld>
-</file>
-
-<file path=ppt/slides/slide6.xml><?xml version="1.0" encoding="utf-8"?>
-<p:sld xmlns:a="http://schemas.openxmlformats.org/drawingml/2006/main" xmlns:r="http://schemas.openxmlformats.org/officeDocument/2006/relationships" xmlns:p="http://schemas.openxmlformats.org/presentationml/2006/main">
-  <p:cSld>
-    <p:spTree>
-      <p:nvGrpSpPr>
-        <p:cNvPr id="1" name=""/>
-        <p:cNvGrpSpPr/>
-        <p:nvPr/>
-      </p:nvGrpSpPr>
-      <p:grpSpPr>
-        <a:xfrm>
-          <a:off x="0" y="0"/>
-          <a:ext cx="0" cy="0"/>
-          <a:chOff x="0" y="0"/>
-          <a:chExt cx="0" cy="0"/>
-        </a:xfrm>
-      </p:grpSpPr>
-      <p:sp>
-        <p:nvSpPr>
-          <p:cNvPr id="2" name="Cím 1"/>
-          <p:cNvSpPr>
-            <a:spLocks noGrp="1"/>
-          </p:cNvSpPr>
-          <p:nvPr>
-            <p:ph type="title"/>
-          </p:nvPr>
-        </p:nvSpPr>
-        <p:spPr/>
-        <p:txBody>
-          <a:bodyPr/>
-          <a:lstStyle/>
-          <a:p>
-            <a:r>
-              <a:rPr lang="hu-HU" dirty="0"/>
-              <a:t>Változásdetektálás</a:t>
-            </a:r>
-          </a:p>
-        </p:txBody>
-      </p:sp>
-      <p:sp>
-        <p:nvSpPr>
-          <p:cNvPr id="3" name="Tartalom helye 2"/>
-          <p:cNvSpPr>
-            <a:spLocks noGrp="1"/>
-          </p:cNvSpPr>
-          <p:nvPr>
-            <p:ph idx="1"/>
-          </p:nvPr>
-        </p:nvSpPr>
-        <p:spPr/>
-        <p:txBody>
-          <a:bodyPr/>
-          <a:lstStyle/>
-          <a:p>
-            <a:r>
-              <a:rPr lang="hu-HU" dirty="0"/>
-              <a:t>Az épületekkel 5 dolog történhet</a:t>
-            </a:r>
-          </a:p>
-          <a:p>
-            <a:pPr lvl="1"/>
-            <a:r>
-              <a:rPr lang="hu-HU" dirty="0"/>
-              <a:t>Felépül</a:t>
-            </a:r>
-          </a:p>
-          <a:p>
-            <a:pPr lvl="1"/>
-            <a:r>
-              <a:rPr lang="hu-HU" dirty="0"/>
-              <a:t>Lebontják</a:t>
-            </a:r>
-          </a:p>
-          <a:p>
-            <a:pPr lvl="1"/>
-            <a:r>
-              <a:rPr lang="hu-HU" dirty="0"/>
-              <a:t>Magasítanak rajta</a:t>
-            </a:r>
-          </a:p>
-          <a:p>
-            <a:pPr lvl="1"/>
-            <a:r>
-              <a:rPr lang="hu-HU" dirty="0"/>
-              <a:t>Alacsonyabb lesz (akár ember, akár természet által)</a:t>
-            </a:r>
-          </a:p>
-          <a:p>
-            <a:pPr lvl="1"/>
-            <a:r>
-              <a:rPr lang="hu-HU" dirty="0"/>
-              <a:t>Semmi</a:t>
-            </a:r>
-          </a:p>
-        </p:txBody>
-      </p:sp>
-      <p:sp>
-        <p:nvSpPr>
-          <p:cNvPr id="4" name="Élőláb helye 3"/>
-          <p:cNvSpPr>
-            <a:spLocks noGrp="1"/>
-          </p:cNvSpPr>
-          <p:nvPr>
-            <p:ph type="ftr" sz="quarter" idx="11"/>
-          </p:nvPr>
-        </p:nvSpPr>
-        <p:spPr/>
-        <p:txBody>
-          <a:bodyPr/>
-          <a:lstStyle/>
-          <a:p>
-            <a:r>
-              <a:rPr lang="en-US"/>
-              <a:t>Bálint Márton 2017</a:t>
-            </a:r>
-            <a:endParaRPr lang="en-US" dirty="0"/>
-          </a:p>
-        </p:txBody>
-      </p:sp>
-    </p:spTree>
-    <p:extLst>
-      <p:ext uri="{BB962C8B-B14F-4D97-AF65-F5344CB8AC3E}">
-        <p14:creationId xmlns:p14="http://schemas.microsoft.com/office/powerpoint/2010/main" val="1319655245"/>
-      </p:ext>
-    </p:extLst>
-  </p:cSld>
-  <p:clrMapOvr>
-    <a:masterClrMapping/>
-  </p:clrMapOvr>
-</p:sld>
-</file>
-
-<file path=ppt/slides/slide7.xml><?xml version="1.0" encoding="utf-8"?>
-<p:sld xmlns:a="http://schemas.openxmlformats.org/drawingml/2006/main" xmlns:r="http://schemas.openxmlformats.org/officeDocument/2006/relationships" xmlns:p="http://schemas.openxmlformats.org/presentationml/2006/main">
-  <p:cSld>
-    <p:spTree>
-      <p:nvGrpSpPr>
-        <p:cNvPr id="1" name=""/>
-        <p:cNvGrpSpPr/>
-        <p:nvPr/>
-      </p:nvGrpSpPr>
-      <p:grpSpPr>
-        <a:xfrm>
-          <a:off x="0" y="0"/>
-          <a:ext cx="0" cy="0"/>
-          <a:chOff x="0" y="0"/>
-          <a:chExt cx="0" cy="0"/>
-        </a:xfrm>
-      </p:grpSpPr>
-      <p:sp>
-        <p:nvSpPr>
-          <p:cNvPr id="2" name="Cím 1"/>
-          <p:cNvSpPr>
-            <a:spLocks noGrp="1"/>
-          </p:cNvSpPr>
-          <p:nvPr>
-            <p:ph type="title"/>
-          </p:nvPr>
-        </p:nvSpPr>
-        <p:spPr/>
-        <p:txBody>
-          <a:bodyPr/>
-          <a:lstStyle/>
-          <a:p>
-            <a:r>
-              <a:rPr lang="hu-HU" dirty="0"/>
-              <a:t>Változásdetektálás</a:t>
-            </a:r>
-          </a:p>
-        </p:txBody>
-      </p:sp>
-      <p:sp>
-        <p:nvSpPr>
-          <p:cNvPr id="3" name="Tartalom helye 2"/>
-          <p:cNvSpPr>
-            <a:spLocks noGrp="1"/>
-          </p:cNvSpPr>
-          <p:nvPr>
-            <p:ph idx="1"/>
-          </p:nvPr>
-        </p:nvSpPr>
-        <p:spPr/>
-        <p:txBody>
-          <a:bodyPr/>
-          <a:lstStyle/>
-          <a:p>
-            <a:r>
-              <a:rPr lang="hu-HU" dirty="0"/>
-              <a:t>Új vagy régi?</a:t>
-            </a:r>
-          </a:p>
-          <a:p>
-            <a:pPr lvl="1"/>
-            <a:r>
-              <a:rPr lang="hu-HU" dirty="0"/>
-              <a:t>Ha két szegmens között az átfedés a két időpillanatban 25%-</a:t>
-            </a:r>
-            <a:r>
-              <a:rPr lang="hu-HU" dirty="0" err="1"/>
-              <a:t>nál</a:t>
-            </a:r>
-            <a:r>
-              <a:rPr lang="hu-HU" dirty="0"/>
-              <a:t> kevesebb, akkor különböző épületeknek tekintjük őket.</a:t>
-            </a:r>
-          </a:p>
-          <a:p>
-            <a:pPr lvl="1"/>
-            <a:r>
-              <a:rPr lang="hu-HU" dirty="0"/>
-              <a:t>Ha van át fedés, akkor tovább vizsgáljuk, hogy lehet-e ugyanaz, ha túl sok a kilógó szegmens (pl. 75% ) akkor szintén </a:t>
-            </a:r>
-            <a:r>
-              <a:rPr lang="hu-HU" dirty="0" err="1"/>
-              <a:t>különbözőeknek</a:t>
-            </a:r>
-            <a:r>
-              <a:rPr lang="hu-HU" dirty="0"/>
-              <a:t> tekintjük őket</a:t>
-            </a:r>
-          </a:p>
-        </p:txBody>
-      </p:sp>
-      <p:sp>
-        <p:nvSpPr>
-          <p:cNvPr id="4" name="Élőláb helye 3"/>
-          <p:cNvSpPr>
-            <a:spLocks noGrp="1"/>
-          </p:cNvSpPr>
-          <p:nvPr>
-            <p:ph type="ftr" sz="quarter" idx="11"/>
-          </p:nvPr>
-        </p:nvSpPr>
-        <p:spPr/>
-        <p:txBody>
-          <a:bodyPr/>
-          <a:lstStyle/>
-          <a:p>
-            <a:r>
-              <a:rPr lang="en-US"/>
-              <a:t>Bálint Márton 2017</a:t>
-            </a:r>
-            <a:endParaRPr lang="en-US" dirty="0"/>
-          </a:p>
-        </p:txBody>
-      </p:sp>
-    </p:spTree>
-    <p:extLst>
-      <p:ext uri="{BB962C8B-B14F-4D97-AF65-F5344CB8AC3E}">
-        <p14:creationId xmlns:p14="http://schemas.microsoft.com/office/powerpoint/2010/main" val="2525511691"/>
-      </p:ext>
-    </p:extLst>
-  </p:cSld>
-  <p:clrMapOvr>
-    <a:masterClrMapping/>
-  </p:clrMapOvr>
-</p:sld>
-</file>
-
-<file path=ppt/slides/slide8.xml><?xml version="1.0" encoding="utf-8"?>
-<p:sld xmlns:a="http://schemas.openxmlformats.org/drawingml/2006/main" xmlns:r="http://schemas.openxmlformats.org/officeDocument/2006/relationships" xmlns:p="http://schemas.openxmlformats.org/presentationml/2006/main">
-  <p:cSld>
-    <p:spTree>
-      <p:nvGrpSpPr>
-        <p:cNvPr id="1" name=""/>
-        <p:cNvGrpSpPr/>
-        <p:nvPr/>
-      </p:nvGrpSpPr>
-      <p:grpSpPr>
-        <a:xfrm>
-          <a:off x="0" y="0"/>
-          <a:ext cx="0" cy="0"/>
-          <a:chOff x="0" y="0"/>
-          <a:chExt cx="0" cy="0"/>
-        </a:xfrm>
-      </p:grpSpPr>
-      <p:sp>
-        <p:nvSpPr>
-          <p:cNvPr id="2" name="Cím 1"/>
-          <p:cNvSpPr>
-            <a:spLocks noGrp="1"/>
-          </p:cNvSpPr>
-          <p:nvPr>
-            <p:ph type="title"/>
-          </p:nvPr>
-        </p:nvSpPr>
-        <p:spPr/>
-        <p:txBody>
-          <a:bodyPr/>
-          <a:lstStyle/>
-          <a:p>
-            <a:r>
-              <a:rPr lang="hu-HU" dirty="0"/>
-              <a:t>Változásdetektálás</a:t>
-            </a:r>
-          </a:p>
-        </p:txBody>
-      </p:sp>
-      <p:sp>
-        <p:nvSpPr>
-          <p:cNvPr id="3" name="Tartalom helye 2"/>
-          <p:cNvSpPr>
-            <a:spLocks noGrp="1"/>
-          </p:cNvSpPr>
-          <p:nvPr>
-            <p:ph idx="1"/>
-          </p:nvPr>
-        </p:nvSpPr>
-        <p:spPr/>
-        <p:txBody>
-          <a:bodyPr/>
-          <a:lstStyle/>
-          <a:p>
-            <a:r>
-              <a:rPr lang="hu-HU" dirty="0"/>
-              <a:t>Épület szint emelkedés/csökkenés</a:t>
-            </a:r>
-          </a:p>
-          <a:p>
-            <a:pPr lvl="1"/>
-            <a:r>
-              <a:rPr lang="hu-HU" dirty="0"/>
-              <a:t>Csak azokkal a szegmensekkel dolgozunk, amik az előző fázison átestek</a:t>
-            </a:r>
-          </a:p>
-          <a:p>
-            <a:pPr lvl="1"/>
-            <a:r>
-              <a:rPr lang="hu-HU" dirty="0"/>
-              <a:t>A két normalizált képet kivonjuk egymásból</a:t>
-            </a:r>
-          </a:p>
-          <a:p>
-            <a:pPr lvl="1"/>
-            <a:r>
-              <a:rPr lang="hu-HU" dirty="0"/>
-              <a:t>Opening operatort (nyitás műveletet) alkalmazunk a képre, hogy a jelentéktelen eltéréseket kiszűrjük</a:t>
-            </a:r>
-          </a:p>
-          <a:p>
-            <a:pPr lvl="1"/>
-            <a:r>
-              <a:rPr lang="hu-HU" dirty="0"/>
-              <a:t>Az így megmaradt szegmenseket tekintjük változott épületeknek</a:t>
-            </a:r>
-          </a:p>
-        </p:txBody>
-      </p:sp>
-      <p:sp>
-        <p:nvSpPr>
-          <p:cNvPr id="4" name="Élőláb helye 3"/>
-          <p:cNvSpPr>
-            <a:spLocks noGrp="1"/>
-          </p:cNvSpPr>
-          <p:nvPr>
-            <p:ph type="ftr" sz="quarter" idx="11"/>
-          </p:nvPr>
-        </p:nvSpPr>
-        <p:spPr/>
-        <p:txBody>
-          <a:bodyPr/>
-          <a:lstStyle/>
-          <a:p>
-            <a:r>
-              <a:rPr lang="en-US"/>
-              <a:t>Bálint Márton 2017</a:t>
-            </a:r>
-            <a:endParaRPr lang="en-US" dirty="0"/>
-          </a:p>
-        </p:txBody>
-      </p:sp>
-    </p:spTree>
-    <p:extLst>
-      <p:ext uri="{BB962C8B-B14F-4D97-AF65-F5344CB8AC3E}">
-        <p14:creationId xmlns:p14="http://schemas.microsoft.com/office/powerpoint/2010/main" val="3546741834"/>
-      </p:ext>
-    </p:extLst>
-  </p:cSld>
-  <p:clrMapOvr>
-    <a:masterClrMapping/>
-  </p:clrMapOvr>
-</p:sld>
-</file>
-
-<file path=ppt/slides/slide9.xml><?xml version="1.0" encoding="utf-8"?>
-<p:sld xmlns:a="http://schemas.openxmlformats.org/drawingml/2006/main" xmlns:r="http://schemas.openxmlformats.org/officeDocument/2006/relationships" xmlns:p="http://schemas.openxmlformats.org/presentationml/2006/main">
-  <p:cSld>
-    <p:spTree>
-      <p:nvGrpSpPr>
-        <p:cNvPr id="1" name=""/>
-        <p:cNvGrpSpPr/>
-        <p:nvPr/>
-      </p:nvGrpSpPr>
-      <p:grpSpPr>
-        <a:xfrm>
-          <a:off x="0" y="0"/>
-          <a:ext cx="0" cy="0"/>
-          <a:chOff x="0" y="0"/>
-          <a:chExt cx="0" cy="0"/>
-        </a:xfrm>
-      </p:grpSpPr>
-      <p:sp>
-        <p:nvSpPr>
           <p:cNvPr id="14" name="Rectangle 13"/>
           <p:cNvSpPr>
             <a:spLocks noGrp="1" noRot="1" noChangeAspect="1" noMove="1" noResize="1" noEditPoints="1" noAdjustHandles="1" noChangeArrowheads="1" noChangeShapeType="1" noTextEdit="1"/>
@@ -7831,6 +6563,1699 @@
     <p:extLst>
       <p:ext uri="{BB962C8B-B14F-4D97-AF65-F5344CB8AC3E}">
         <p14:creationId xmlns:p14="http://schemas.microsoft.com/office/powerpoint/2010/main" val="2215219067"/>
+      </p:ext>
+    </p:extLst>
+  </p:cSld>
+  <p:clrMapOvr>
+    <a:masterClrMapping/>
+  </p:clrMapOvr>
+</p:sld>
+</file>
+
+<file path=ppt/slides/slide11.xml><?xml version="1.0" encoding="utf-8"?>
+<p:sld xmlns:a="http://schemas.openxmlformats.org/drawingml/2006/main" xmlns:r="http://schemas.openxmlformats.org/officeDocument/2006/relationships" xmlns:p="http://schemas.openxmlformats.org/presentationml/2006/main">
+  <p:cSld>
+    <p:spTree>
+      <p:nvGrpSpPr>
+        <p:cNvPr id="1" name=""/>
+        <p:cNvGrpSpPr/>
+        <p:nvPr/>
+      </p:nvGrpSpPr>
+      <p:grpSpPr>
+        <a:xfrm>
+          <a:off x="0" y="0"/>
+          <a:ext cx="0" cy="0"/>
+          <a:chOff x="0" y="0"/>
+          <a:chExt cx="0" cy="0"/>
+        </a:xfrm>
+      </p:grpSpPr>
+      <p:sp>
+        <p:nvSpPr>
+          <p:cNvPr id="2" name="Cím 1"/>
+          <p:cNvSpPr>
+            <a:spLocks noGrp="1"/>
+          </p:cNvSpPr>
+          <p:nvPr>
+            <p:ph type="title"/>
+          </p:nvPr>
+        </p:nvSpPr>
+        <p:spPr/>
+        <p:txBody>
+          <a:bodyPr>
+            <a:normAutofit/>
+          </a:bodyPr>
+          <a:lstStyle/>
+          <a:p>
+            <a:r>
+              <a:rPr lang="hu-HU" dirty="0"/>
+              <a:t>Zajos képek</a:t>
+            </a:r>
+          </a:p>
+        </p:txBody>
+      </p:sp>
+      <p:sp>
+        <p:nvSpPr>
+          <p:cNvPr id="3" name="Tartalom helye 2"/>
+          <p:cNvSpPr>
+            <a:spLocks noGrp="1"/>
+          </p:cNvSpPr>
+          <p:nvPr>
+            <p:ph idx="1"/>
+          </p:nvPr>
+        </p:nvSpPr>
+        <p:spPr/>
+        <p:txBody>
+          <a:bodyPr/>
+          <a:lstStyle/>
+          <a:p>
+            <a:r>
+              <a:rPr lang="hu-HU" dirty="0"/>
+              <a:t>Lehetnek olyan pontok a LIDAR technológiából adódóan, ahol nincs mérési adatunk.</a:t>
+            </a:r>
+          </a:p>
+          <a:p>
+            <a:r>
+              <a:rPr lang="hu-HU" dirty="0"/>
+              <a:t>Tipikus ilyenek:</a:t>
+            </a:r>
+          </a:p>
+          <a:p>
+            <a:pPr lvl="1"/>
+            <a:r>
+              <a:rPr lang="hu-HU" dirty="0"/>
+              <a:t>Kémények</a:t>
+            </a:r>
+          </a:p>
+          <a:p>
+            <a:pPr lvl="1"/>
+            <a:r>
+              <a:rPr lang="hu-HU" dirty="0"/>
+              <a:t>Csillogó, sima tetőfelületek</a:t>
+            </a:r>
+          </a:p>
+          <a:p>
+            <a:r>
+              <a:rPr lang="hu-HU" dirty="0"/>
+              <a:t>A technológia javul, de a régi képeknél számolni kell vele</a:t>
+            </a:r>
+          </a:p>
+        </p:txBody>
+      </p:sp>
+      <p:sp>
+        <p:nvSpPr>
+          <p:cNvPr id="4" name="Élőláb helye 3"/>
+          <p:cNvSpPr>
+            <a:spLocks noGrp="1"/>
+          </p:cNvSpPr>
+          <p:nvPr>
+            <p:ph type="ftr" sz="quarter" idx="11"/>
+          </p:nvPr>
+        </p:nvSpPr>
+        <p:spPr/>
+        <p:txBody>
+          <a:bodyPr/>
+          <a:lstStyle/>
+          <a:p>
+            <a:r>
+              <a:rPr lang="en-US"/>
+              <a:t>Bálint Márton 2017</a:t>
+            </a:r>
+            <a:endParaRPr lang="en-US" dirty="0"/>
+          </a:p>
+        </p:txBody>
+      </p:sp>
+    </p:spTree>
+    <p:extLst>
+      <p:ext uri="{BB962C8B-B14F-4D97-AF65-F5344CB8AC3E}">
+        <p14:creationId xmlns:p14="http://schemas.microsoft.com/office/powerpoint/2010/main" val="3952256664"/>
+      </p:ext>
+    </p:extLst>
+  </p:cSld>
+  <p:clrMapOvr>
+    <a:masterClrMapping/>
+  </p:clrMapOvr>
+</p:sld>
+</file>
+
+<file path=ppt/slides/slide12.xml><?xml version="1.0" encoding="utf-8"?>
+<p:sld xmlns:a="http://schemas.openxmlformats.org/drawingml/2006/main" xmlns:r="http://schemas.openxmlformats.org/officeDocument/2006/relationships" xmlns:p="http://schemas.openxmlformats.org/presentationml/2006/main">
+  <p:cSld>
+    <p:spTree>
+      <p:nvGrpSpPr>
+        <p:cNvPr id="1" name=""/>
+        <p:cNvGrpSpPr/>
+        <p:nvPr/>
+      </p:nvGrpSpPr>
+      <p:grpSpPr>
+        <a:xfrm>
+          <a:off x="0" y="0"/>
+          <a:ext cx="0" cy="0"/>
+          <a:chOff x="0" y="0"/>
+          <a:chExt cx="0" cy="0"/>
+        </a:xfrm>
+      </p:grpSpPr>
+      <p:sp>
+        <p:nvSpPr>
+          <p:cNvPr id="2" name="Cím 1"/>
+          <p:cNvSpPr>
+            <a:spLocks noGrp="1"/>
+          </p:cNvSpPr>
+          <p:nvPr>
+            <p:ph type="title"/>
+          </p:nvPr>
+        </p:nvSpPr>
+        <p:spPr>
+          <a:xfrm>
+            <a:off x="838200" y="365125"/>
+            <a:ext cx="10515600" cy="1325563"/>
+          </a:xfrm>
+        </p:spPr>
+        <p:txBody>
+          <a:bodyPr/>
+          <a:lstStyle/>
+          <a:p>
+            <a:r>
+              <a:rPr lang="hu-HU"/>
+              <a:t>Zajszűrés</a:t>
+            </a:r>
+            <a:endParaRPr lang="hu-HU" dirty="0"/>
+          </a:p>
+        </p:txBody>
+      </p:sp>
+      <p:sp>
+        <p:nvSpPr>
+          <p:cNvPr id="3" name="Tartalom helye 2"/>
+          <p:cNvSpPr>
+            <a:spLocks noGrp="1"/>
+          </p:cNvSpPr>
+          <p:nvPr>
+            <p:ph idx="1"/>
+          </p:nvPr>
+        </p:nvSpPr>
+        <p:spPr>
+          <a:xfrm>
+            <a:off x="1120000" y="1825625"/>
+            <a:ext cx="5048980" cy="4351338"/>
+          </a:xfrm>
+        </p:spPr>
+        <p:txBody>
+          <a:bodyPr/>
+          <a:lstStyle/>
+          <a:p>
+            <a:r>
+              <a:rPr lang="hu-HU" dirty="0"/>
+              <a:t>Ha csak kicsik ezek a területek, akkor </a:t>
+            </a:r>
+            <a:r>
+              <a:rPr lang="hu-HU" dirty="0" err="1"/>
+              <a:t>kiszűrhetőek</a:t>
+            </a:r>
+            <a:endParaRPr lang="hu-HU" dirty="0"/>
+          </a:p>
+          <a:p>
+            <a:r>
+              <a:rPr lang="hu-HU" dirty="0"/>
+              <a:t>Ha nagyok, akkor meg se próbáljuk értelmezni</a:t>
+            </a:r>
+          </a:p>
+        </p:txBody>
+      </p:sp>
+      <p:sp>
+        <p:nvSpPr>
+          <p:cNvPr id="4" name="Élőláb helye 3"/>
+          <p:cNvSpPr>
+            <a:spLocks noGrp="1"/>
+          </p:cNvSpPr>
+          <p:nvPr>
+            <p:ph type="ftr" sz="quarter" idx="11"/>
+          </p:nvPr>
+        </p:nvSpPr>
+        <p:spPr>
+          <a:xfrm>
+            <a:off x="4038600" y="6356350"/>
+            <a:ext cx="4114800" cy="365125"/>
+          </a:xfrm>
+        </p:spPr>
+        <p:txBody>
+          <a:bodyPr/>
+          <a:lstStyle/>
+          <a:p>
+            <a:r>
+              <a:rPr lang="en-US"/>
+              <a:t>Bálint Márton 2017</a:t>
+            </a:r>
+            <a:endParaRPr lang="en-US" dirty="0"/>
+          </a:p>
+        </p:txBody>
+      </p:sp>
+      <p:pic>
+        <p:nvPicPr>
+          <p:cNvPr id="5" name="Kép 4"/>
+          <p:cNvPicPr>
+            <a:picLocks noChangeAspect="1"/>
+          </p:cNvPicPr>
+          <p:nvPr/>
+        </p:nvPicPr>
+        <p:blipFill>
+          <a:blip r:embed="rId2"/>
+          <a:stretch>
+            <a:fillRect/>
+          </a:stretch>
+        </p:blipFill>
+        <p:spPr>
+          <a:xfrm>
+            <a:off x="7288368" y="293418"/>
+            <a:ext cx="3848637" cy="5953956"/>
+          </a:xfrm>
+          <a:prstGeom prst="rect">
+            <a:avLst/>
+          </a:prstGeom>
+        </p:spPr>
+      </p:pic>
+    </p:spTree>
+    <p:extLst>
+      <p:ext uri="{BB962C8B-B14F-4D97-AF65-F5344CB8AC3E}">
+        <p14:creationId xmlns:p14="http://schemas.microsoft.com/office/powerpoint/2010/main" val="357920076"/>
+      </p:ext>
+    </p:extLst>
+  </p:cSld>
+  <p:clrMapOvr>
+    <a:masterClrMapping/>
+  </p:clrMapOvr>
+</p:sld>
+</file>
+
+<file path=ppt/slides/slide13.xml><?xml version="1.0" encoding="utf-8"?>
+<p:sld xmlns:a="http://schemas.openxmlformats.org/drawingml/2006/main" xmlns:r="http://schemas.openxmlformats.org/officeDocument/2006/relationships" xmlns:p="http://schemas.openxmlformats.org/presentationml/2006/main">
+  <p:cSld>
+    <p:spTree>
+      <p:nvGrpSpPr>
+        <p:cNvPr id="1" name=""/>
+        <p:cNvGrpSpPr/>
+        <p:nvPr/>
+      </p:nvGrpSpPr>
+      <p:grpSpPr>
+        <a:xfrm>
+          <a:off x="0" y="0"/>
+          <a:ext cx="0" cy="0"/>
+          <a:chOff x="0" y="0"/>
+          <a:chExt cx="0" cy="0"/>
+        </a:xfrm>
+      </p:grpSpPr>
+      <p:sp>
+        <p:nvSpPr>
+          <p:cNvPr id="2" name="Cím 1"/>
+          <p:cNvSpPr>
+            <a:spLocks noGrp="1"/>
+          </p:cNvSpPr>
+          <p:nvPr>
+            <p:ph type="title"/>
+          </p:nvPr>
+        </p:nvSpPr>
+        <p:spPr/>
+        <p:txBody>
+          <a:bodyPr/>
+          <a:lstStyle/>
+          <a:p>
+            <a:r>
+              <a:rPr lang="hu-HU" dirty="0"/>
+              <a:t>Megvalósítás</a:t>
+            </a:r>
+          </a:p>
+        </p:txBody>
+      </p:sp>
+      <p:sp>
+        <p:nvSpPr>
+          <p:cNvPr id="3" name="Tartalom helye 2"/>
+          <p:cNvSpPr>
+            <a:spLocks noGrp="1"/>
+          </p:cNvSpPr>
+          <p:nvPr>
+            <p:ph idx="1"/>
+          </p:nvPr>
+        </p:nvSpPr>
+        <p:spPr/>
+        <p:txBody>
+          <a:bodyPr/>
+          <a:lstStyle/>
+          <a:p>
+            <a:r>
+              <a:rPr lang="hu-HU" dirty="0"/>
+              <a:t>Környezet</a:t>
+            </a:r>
+          </a:p>
+          <a:p>
+            <a:pPr lvl="1"/>
+            <a:r>
+              <a:rPr lang="hu-HU" dirty="0"/>
+              <a:t>C++</a:t>
+            </a:r>
+          </a:p>
+          <a:p>
+            <a:pPr lvl="2"/>
+            <a:r>
+              <a:rPr lang="hu-HU" dirty="0"/>
+              <a:t>Gyors</a:t>
+            </a:r>
+          </a:p>
+          <a:p>
+            <a:pPr lvl="1"/>
+            <a:r>
+              <a:rPr lang="hu-HU" dirty="0"/>
+              <a:t>Windows</a:t>
+            </a:r>
+          </a:p>
+          <a:p>
+            <a:pPr lvl="2"/>
+            <a:r>
+              <a:rPr lang="hu-HU" dirty="0"/>
+              <a:t>MFC</a:t>
+            </a:r>
+          </a:p>
+          <a:p>
+            <a:pPr lvl="1"/>
+            <a:r>
+              <a:rPr lang="hu-HU" dirty="0" err="1"/>
+              <a:t>OpenCV</a:t>
+            </a:r>
+            <a:endParaRPr lang="hu-HU" dirty="0"/>
+          </a:p>
+          <a:p>
+            <a:pPr lvl="2"/>
+            <a:r>
+              <a:rPr lang="hu-HU" dirty="0"/>
+              <a:t>Kényelmes beépített matematikai osztályok</a:t>
+            </a:r>
+          </a:p>
+          <a:p>
+            <a:pPr lvl="2"/>
+            <a:r>
+              <a:rPr lang="hu-HU" dirty="0"/>
+              <a:t>Rengeteg segítség a raszteres képfeldolgozáshoz</a:t>
+            </a:r>
+          </a:p>
+          <a:p>
+            <a:pPr lvl="2"/>
+            <a:r>
+              <a:rPr lang="hu-HU" dirty="0"/>
+              <a:t>Beépített GPU gyorsítás bizonyos algoritmusokhoz</a:t>
+            </a:r>
+          </a:p>
+        </p:txBody>
+      </p:sp>
+      <p:sp>
+        <p:nvSpPr>
+          <p:cNvPr id="4" name="Élőláb helye 3"/>
+          <p:cNvSpPr>
+            <a:spLocks noGrp="1"/>
+          </p:cNvSpPr>
+          <p:nvPr>
+            <p:ph type="ftr" sz="quarter" idx="11"/>
+          </p:nvPr>
+        </p:nvSpPr>
+        <p:spPr/>
+        <p:txBody>
+          <a:bodyPr/>
+          <a:lstStyle/>
+          <a:p>
+            <a:r>
+              <a:rPr lang="en-US"/>
+              <a:t>Bálint Márton 2017</a:t>
+            </a:r>
+            <a:endParaRPr lang="en-US" dirty="0"/>
+          </a:p>
+        </p:txBody>
+      </p:sp>
+    </p:spTree>
+    <p:extLst>
+      <p:ext uri="{BB962C8B-B14F-4D97-AF65-F5344CB8AC3E}">
+        <p14:creationId xmlns:p14="http://schemas.microsoft.com/office/powerpoint/2010/main" val="3168473436"/>
+      </p:ext>
+    </p:extLst>
+  </p:cSld>
+  <p:clrMapOvr>
+    <a:masterClrMapping/>
+  </p:clrMapOvr>
+</p:sld>
+</file>
+
+<file path=ppt/slides/slide14.xml><?xml version="1.0" encoding="utf-8"?>
+<p:sld xmlns:a="http://schemas.openxmlformats.org/drawingml/2006/main" xmlns:r="http://schemas.openxmlformats.org/officeDocument/2006/relationships" xmlns:p="http://schemas.openxmlformats.org/presentationml/2006/main">
+  <p:cSld>
+    <p:spTree>
+      <p:nvGrpSpPr>
+        <p:cNvPr id="1" name=""/>
+        <p:cNvGrpSpPr/>
+        <p:nvPr/>
+      </p:nvGrpSpPr>
+      <p:grpSpPr>
+        <a:xfrm>
+          <a:off x="0" y="0"/>
+          <a:ext cx="0" cy="0"/>
+          <a:chOff x="0" y="0"/>
+          <a:chExt cx="0" cy="0"/>
+        </a:xfrm>
+      </p:grpSpPr>
+      <p:sp>
+        <p:nvSpPr>
+          <p:cNvPr id="2" name="Cím 1"/>
+          <p:cNvSpPr>
+            <a:spLocks noGrp="1"/>
+          </p:cNvSpPr>
+          <p:nvPr>
+            <p:ph type="title"/>
+          </p:nvPr>
+        </p:nvSpPr>
+        <p:spPr>
+          <a:xfrm>
+            <a:off x="838200" y="2515897"/>
+            <a:ext cx="10515600" cy="1325563"/>
+          </a:xfrm>
+        </p:spPr>
+        <p:txBody>
+          <a:bodyPr/>
+          <a:lstStyle/>
+          <a:p>
+            <a:pPr algn="ctr"/>
+            <a:r>
+              <a:rPr lang="hu-HU" dirty="0"/>
+              <a:t>Köszönöm a figyelmet</a:t>
+            </a:r>
+          </a:p>
+        </p:txBody>
+      </p:sp>
+      <p:sp>
+        <p:nvSpPr>
+          <p:cNvPr id="3" name="Élőláb helye 2"/>
+          <p:cNvSpPr>
+            <a:spLocks noGrp="1"/>
+          </p:cNvSpPr>
+          <p:nvPr>
+            <p:ph type="ftr" sz="quarter" idx="11"/>
+          </p:nvPr>
+        </p:nvSpPr>
+        <p:spPr/>
+        <p:txBody>
+          <a:bodyPr/>
+          <a:lstStyle/>
+          <a:p>
+            <a:r>
+              <a:rPr lang="en-US"/>
+              <a:t>Bálint Márton 2017</a:t>
+            </a:r>
+            <a:endParaRPr lang="en-US" dirty="0"/>
+          </a:p>
+        </p:txBody>
+      </p:sp>
+    </p:spTree>
+    <p:extLst>
+      <p:ext uri="{BB962C8B-B14F-4D97-AF65-F5344CB8AC3E}">
+        <p14:creationId xmlns:p14="http://schemas.microsoft.com/office/powerpoint/2010/main" val="1639476323"/>
+      </p:ext>
+    </p:extLst>
+  </p:cSld>
+  <p:clrMapOvr>
+    <a:masterClrMapping/>
+  </p:clrMapOvr>
+</p:sld>
+</file>
+
+<file path=ppt/slides/slide2.xml><?xml version="1.0" encoding="utf-8"?>
+<p:sld xmlns:a="http://schemas.openxmlformats.org/drawingml/2006/main" xmlns:r="http://schemas.openxmlformats.org/officeDocument/2006/relationships" xmlns:p="http://schemas.openxmlformats.org/presentationml/2006/main">
+  <p:cSld>
+    <p:spTree>
+      <p:nvGrpSpPr>
+        <p:cNvPr id="1" name=""/>
+        <p:cNvGrpSpPr/>
+        <p:nvPr/>
+      </p:nvGrpSpPr>
+      <p:grpSpPr>
+        <a:xfrm>
+          <a:off x="0" y="0"/>
+          <a:ext cx="0" cy="0"/>
+          <a:chOff x="0" y="0"/>
+          <a:chExt cx="0" cy="0"/>
+        </a:xfrm>
+      </p:grpSpPr>
+      <p:sp>
+        <p:nvSpPr>
+          <p:cNvPr id="2" name="Cím 1"/>
+          <p:cNvSpPr>
+            <a:spLocks noGrp="1"/>
+          </p:cNvSpPr>
+          <p:nvPr>
+            <p:ph type="title"/>
+          </p:nvPr>
+        </p:nvSpPr>
+        <p:spPr/>
+        <p:txBody>
+          <a:bodyPr>
+            <a:normAutofit/>
+          </a:bodyPr>
+          <a:lstStyle/>
+          <a:p>
+            <a:r>
+              <a:rPr lang="hu-HU" dirty="0"/>
+              <a:t>Cél</a:t>
+            </a:r>
+          </a:p>
+        </p:txBody>
+      </p:sp>
+      <p:sp>
+        <p:nvSpPr>
+          <p:cNvPr id="3" name="Tartalom helye 2"/>
+          <p:cNvSpPr>
+            <a:spLocks noGrp="1"/>
+          </p:cNvSpPr>
+          <p:nvPr>
+            <p:ph idx="1"/>
+          </p:nvPr>
+        </p:nvSpPr>
+        <p:spPr/>
+        <p:txBody>
+          <a:bodyPr/>
+          <a:lstStyle/>
+          <a:p>
+            <a:r>
+              <a:rPr lang="hu-HU" dirty="0"/>
+              <a:t>Két, eltérő időben készült LIDAR kép alapján felderíteni az új, vagy lerombolt épületeket</a:t>
+            </a:r>
+          </a:p>
+          <a:p>
+            <a:r>
+              <a:rPr lang="hu-HU" dirty="0"/>
+              <a:t>Technológia: LIDAR (</a:t>
+            </a:r>
+            <a:r>
+              <a:rPr lang="hu-HU" dirty="0" err="1"/>
+              <a:t>Light</a:t>
+            </a:r>
+            <a:r>
+              <a:rPr lang="hu-HU" dirty="0"/>
+              <a:t> </a:t>
+            </a:r>
+            <a:r>
+              <a:rPr lang="hu-HU" dirty="0" err="1"/>
+              <a:t>Detection</a:t>
+            </a:r>
+            <a:r>
+              <a:rPr lang="hu-HU" dirty="0"/>
+              <a:t> And Ranging)</a:t>
+            </a:r>
+          </a:p>
+          <a:p>
+            <a:r>
+              <a:rPr lang="hu-HU" dirty="0"/>
+              <a:t>Csak magasságértékeink vannak</a:t>
+            </a:r>
+          </a:p>
+          <a:p>
+            <a:r>
+              <a:rPr lang="hu-HU" dirty="0"/>
+              <a:t>Az illesztés problémáját megoldottnak tekintjük</a:t>
+            </a:r>
+          </a:p>
+        </p:txBody>
+      </p:sp>
+      <p:sp>
+        <p:nvSpPr>
+          <p:cNvPr id="4" name="Élőláb helye 3"/>
+          <p:cNvSpPr>
+            <a:spLocks noGrp="1"/>
+          </p:cNvSpPr>
+          <p:nvPr>
+            <p:ph type="ftr" sz="quarter" idx="11"/>
+          </p:nvPr>
+        </p:nvSpPr>
+        <p:spPr/>
+        <p:txBody>
+          <a:bodyPr/>
+          <a:lstStyle/>
+          <a:p>
+            <a:r>
+              <a:rPr lang="en-US"/>
+              <a:t>Bálint Márton 2017</a:t>
+            </a:r>
+            <a:endParaRPr lang="en-US" dirty="0"/>
+          </a:p>
+        </p:txBody>
+      </p:sp>
+    </p:spTree>
+    <p:extLst>
+      <p:ext uri="{BB962C8B-B14F-4D97-AF65-F5344CB8AC3E}">
+        <p14:creationId xmlns:p14="http://schemas.microsoft.com/office/powerpoint/2010/main" val="218132223"/>
+      </p:ext>
+    </p:extLst>
+  </p:cSld>
+  <p:clrMapOvr>
+    <a:masterClrMapping/>
+  </p:clrMapOvr>
+</p:sld>
+</file>
+
+<file path=ppt/slides/slide3.xml><?xml version="1.0" encoding="utf-8"?>
+<p:sld xmlns:a="http://schemas.openxmlformats.org/drawingml/2006/main" xmlns:r="http://schemas.openxmlformats.org/officeDocument/2006/relationships" xmlns:p="http://schemas.openxmlformats.org/presentationml/2006/main">
+  <p:cSld>
+    <p:spTree>
+      <p:nvGrpSpPr>
+        <p:cNvPr id="1" name=""/>
+        <p:cNvGrpSpPr/>
+        <p:nvPr/>
+      </p:nvGrpSpPr>
+      <p:grpSpPr>
+        <a:xfrm>
+          <a:off x="0" y="0"/>
+          <a:ext cx="0" cy="0"/>
+          <a:chOff x="0" y="0"/>
+          <a:chExt cx="0" cy="0"/>
+        </a:xfrm>
+      </p:grpSpPr>
+      <p:sp>
+        <p:nvSpPr>
+          <p:cNvPr id="2" name="Cím 1"/>
+          <p:cNvSpPr>
+            <a:spLocks noGrp="1"/>
+          </p:cNvSpPr>
+          <p:nvPr>
+            <p:ph type="title"/>
+          </p:nvPr>
+        </p:nvSpPr>
+        <p:spPr/>
+        <p:txBody>
+          <a:bodyPr/>
+          <a:lstStyle/>
+          <a:p>
+            <a:r>
+              <a:rPr lang="hu-HU" dirty="0"/>
+              <a:t>Motiváció</a:t>
+            </a:r>
+          </a:p>
+        </p:txBody>
+      </p:sp>
+      <p:sp>
+        <p:nvSpPr>
+          <p:cNvPr id="3" name="Tartalom helye 2"/>
+          <p:cNvSpPr>
+            <a:spLocks noGrp="1"/>
+          </p:cNvSpPr>
+          <p:nvPr>
+            <p:ph idx="1"/>
+          </p:nvPr>
+        </p:nvSpPr>
+        <p:spPr/>
+        <p:txBody>
+          <a:bodyPr/>
+          <a:lstStyle/>
+          <a:p>
+            <a:r>
+              <a:rPr lang="hu-HU" dirty="0"/>
+              <a:t>Földrengés, egyéb katasztrófa estén a bajbajutottak gyors felderítése</a:t>
+            </a:r>
+          </a:p>
+          <a:p>
+            <a:r>
+              <a:rPr lang="hu-HU" dirty="0"/>
+              <a:t>Kárfelmérés</a:t>
+            </a:r>
+          </a:p>
+          <a:p>
+            <a:r>
+              <a:rPr lang="hu-HU" dirty="0"/>
+              <a:t>Civil </a:t>
+            </a:r>
+            <a:r>
+              <a:rPr lang="hu-HU" dirty="0" err="1"/>
+              <a:t>engineering</a:t>
+            </a:r>
+            <a:r>
+              <a:rPr lang="hu-HU" dirty="0"/>
+              <a:t>: városfejlődés</a:t>
+            </a:r>
+          </a:p>
+          <a:p>
+            <a:endParaRPr lang="hu-HU" dirty="0"/>
+          </a:p>
+        </p:txBody>
+      </p:sp>
+      <p:sp>
+        <p:nvSpPr>
+          <p:cNvPr id="4" name="Élőláb helye 3"/>
+          <p:cNvSpPr>
+            <a:spLocks noGrp="1"/>
+          </p:cNvSpPr>
+          <p:nvPr>
+            <p:ph type="ftr" sz="quarter" idx="11"/>
+          </p:nvPr>
+        </p:nvSpPr>
+        <p:spPr/>
+        <p:txBody>
+          <a:bodyPr/>
+          <a:lstStyle/>
+          <a:p>
+            <a:r>
+              <a:rPr lang="en-US"/>
+              <a:t>Bálint Márton 2017</a:t>
+            </a:r>
+            <a:endParaRPr lang="en-US" dirty="0"/>
+          </a:p>
+        </p:txBody>
+      </p:sp>
+    </p:spTree>
+    <p:extLst>
+      <p:ext uri="{BB962C8B-B14F-4D97-AF65-F5344CB8AC3E}">
+        <p14:creationId xmlns:p14="http://schemas.microsoft.com/office/powerpoint/2010/main" val="3491448636"/>
+      </p:ext>
+    </p:extLst>
+  </p:cSld>
+  <p:clrMapOvr>
+    <a:masterClrMapping/>
+  </p:clrMapOvr>
+</p:sld>
+</file>
+
+<file path=ppt/slides/slide4.xml><?xml version="1.0" encoding="utf-8"?>
+<p:sld xmlns:a="http://schemas.openxmlformats.org/drawingml/2006/main" xmlns:r="http://schemas.openxmlformats.org/officeDocument/2006/relationships" xmlns:p="http://schemas.openxmlformats.org/presentationml/2006/main">
+  <p:cSld>
+    <p:spTree>
+      <p:nvGrpSpPr>
+        <p:cNvPr id="1" name=""/>
+        <p:cNvGrpSpPr/>
+        <p:nvPr/>
+      </p:nvGrpSpPr>
+      <p:grpSpPr>
+        <a:xfrm>
+          <a:off x="0" y="0"/>
+          <a:ext cx="0" cy="0"/>
+          <a:chOff x="0" y="0"/>
+          <a:chExt cx="0" cy="0"/>
+        </a:xfrm>
+      </p:grpSpPr>
+      <p:sp>
+        <p:nvSpPr>
+          <p:cNvPr id="2" name="Cím 1"/>
+          <p:cNvSpPr>
+            <a:spLocks noGrp="1"/>
+          </p:cNvSpPr>
+          <p:nvPr>
+            <p:ph type="title"/>
+          </p:nvPr>
+        </p:nvSpPr>
+        <p:spPr/>
+        <p:txBody>
+          <a:bodyPr>
+            <a:normAutofit/>
+          </a:bodyPr>
+          <a:lstStyle/>
+          <a:p>
+            <a:r>
+              <a:rPr lang="hu-HU" dirty="0"/>
+              <a:t>Az algoritmus lépései</a:t>
+            </a:r>
+          </a:p>
+        </p:txBody>
+      </p:sp>
+      <p:sp>
+        <p:nvSpPr>
+          <p:cNvPr id="3" name="Tartalom helye 2"/>
+          <p:cNvSpPr>
+            <a:spLocks noGrp="1"/>
+          </p:cNvSpPr>
+          <p:nvPr>
+            <p:ph idx="1"/>
+          </p:nvPr>
+        </p:nvSpPr>
+        <p:spPr/>
+        <p:txBody>
+          <a:bodyPr/>
+          <a:lstStyle/>
+          <a:p>
+            <a:r>
+              <a:rPr lang="hu-HU" dirty="0"/>
+              <a:t>Durva szűrővel (pl. Gauss nagy szigmával) elsimítjuk a képet, és ezt kivonjuk az eredeti képből, ezzel „normalizáljuk” a képet, azaz kiszűrjük a </a:t>
+            </a:r>
+            <a:r>
+              <a:rPr lang="hu-HU" dirty="0" err="1"/>
+              <a:t>topografikus</a:t>
+            </a:r>
+            <a:r>
+              <a:rPr lang="hu-HU" dirty="0"/>
+              <a:t> változásokat(dombok, völgyek).</a:t>
+            </a:r>
+          </a:p>
+          <a:p>
+            <a:r>
+              <a:rPr lang="hu-HU" dirty="0" err="1"/>
+              <a:t>Region</a:t>
+            </a:r>
+            <a:r>
+              <a:rPr lang="hu-HU" dirty="0"/>
+              <a:t> </a:t>
+            </a:r>
+            <a:r>
+              <a:rPr lang="hu-HU" dirty="0" err="1"/>
+              <a:t>growing</a:t>
+            </a:r>
+            <a:r>
+              <a:rPr lang="hu-HU" dirty="0"/>
+              <a:t> </a:t>
+            </a:r>
+            <a:r>
+              <a:rPr lang="hu-HU" dirty="0" err="1"/>
+              <a:t>segmentation</a:t>
+            </a:r>
+            <a:r>
+              <a:rPr lang="hu-HU" dirty="0"/>
+              <a:t>: lehetséges épületpontokból kiindulva növeljük az egyes szegmensek területét</a:t>
+            </a:r>
+          </a:p>
+          <a:p>
+            <a:pPr lvl="1"/>
+            <a:r>
+              <a:rPr lang="hu-HU" dirty="0"/>
+              <a:t>Ha valami annyira kicsi, hogy nem lehet épület, akkor azt eldobjuk</a:t>
+            </a:r>
+          </a:p>
+          <a:p>
+            <a:pPr lvl="1"/>
+            <a:r>
+              <a:rPr lang="hu-HU" dirty="0"/>
+              <a:t>A szegmensek </a:t>
+            </a:r>
+            <a:r>
+              <a:rPr lang="hu-HU" dirty="0" err="1"/>
+              <a:t>széleit</a:t>
+            </a:r>
+            <a:r>
+              <a:rPr lang="hu-HU" dirty="0"/>
+              <a:t> meghatározza, hogy nem lehet nagyobb a meredekség egy előre meghatározott értéknél</a:t>
+            </a:r>
+          </a:p>
+          <a:p>
+            <a:pPr lvl="1"/>
+            <a:endParaRPr lang="hu-HU" dirty="0"/>
+          </a:p>
+        </p:txBody>
+      </p:sp>
+      <p:sp>
+        <p:nvSpPr>
+          <p:cNvPr id="4" name="Élőláb helye 3"/>
+          <p:cNvSpPr>
+            <a:spLocks noGrp="1"/>
+          </p:cNvSpPr>
+          <p:nvPr>
+            <p:ph type="ftr" sz="quarter" idx="11"/>
+          </p:nvPr>
+        </p:nvSpPr>
+        <p:spPr/>
+        <p:txBody>
+          <a:bodyPr/>
+          <a:lstStyle/>
+          <a:p>
+            <a:r>
+              <a:rPr lang="en-US" dirty="0"/>
+              <a:t>Bálint Márton 2017</a:t>
+            </a:r>
+          </a:p>
+        </p:txBody>
+      </p:sp>
+    </p:spTree>
+    <p:extLst>
+      <p:ext uri="{BB962C8B-B14F-4D97-AF65-F5344CB8AC3E}">
+        <p14:creationId xmlns:p14="http://schemas.microsoft.com/office/powerpoint/2010/main" val="3370481934"/>
+      </p:ext>
+    </p:extLst>
+  </p:cSld>
+  <p:clrMapOvr>
+    <a:masterClrMapping/>
+  </p:clrMapOvr>
+</p:sld>
+</file>
+
+<file path=ppt/slides/slide5.xml><?xml version="1.0" encoding="utf-8"?>
+<p:sld xmlns:a="http://schemas.openxmlformats.org/drawingml/2006/main" xmlns:r="http://schemas.openxmlformats.org/officeDocument/2006/relationships" xmlns:p="http://schemas.openxmlformats.org/presentationml/2006/main">
+  <p:cSld>
+    <p:spTree>
+      <p:nvGrpSpPr>
+        <p:cNvPr id="1" name=""/>
+        <p:cNvGrpSpPr/>
+        <p:nvPr/>
+      </p:nvGrpSpPr>
+      <p:grpSpPr>
+        <a:xfrm>
+          <a:off x="0" y="0"/>
+          <a:ext cx="0" cy="0"/>
+          <a:chOff x="0" y="0"/>
+          <a:chExt cx="0" cy="0"/>
+        </a:xfrm>
+      </p:grpSpPr>
+      <p:sp>
+        <p:nvSpPr>
+          <p:cNvPr id="2" name="Cím 1"/>
+          <p:cNvSpPr>
+            <a:spLocks noGrp="1"/>
+          </p:cNvSpPr>
+          <p:nvPr>
+            <p:ph type="title"/>
+          </p:nvPr>
+        </p:nvSpPr>
+        <p:spPr/>
+        <p:txBody>
+          <a:bodyPr/>
+          <a:lstStyle/>
+          <a:p>
+            <a:r>
+              <a:rPr lang="hu-HU" dirty="0"/>
+              <a:t>Az algoritmus lépései</a:t>
+            </a:r>
+          </a:p>
+        </p:txBody>
+      </p:sp>
+      <p:sp>
+        <p:nvSpPr>
+          <p:cNvPr id="3" name="Tartalom helye 2"/>
+          <p:cNvSpPr>
+            <a:spLocks noGrp="1"/>
+          </p:cNvSpPr>
+          <p:nvPr>
+            <p:ph idx="1"/>
+          </p:nvPr>
+        </p:nvSpPr>
+        <p:spPr/>
+        <p:txBody>
+          <a:bodyPr/>
+          <a:lstStyle/>
+          <a:p>
+            <a:r>
+              <a:rPr lang="hu-HU" dirty="0"/>
+              <a:t>Klasszifikálás: A megmaradt szegmenseket tovább tudjuk szűrni egyéb tulajdonságok alapján (méret, a legalacsonyabb és legmagasabb pontja közti különbség, a környező szegmensek magassága, stb.)</a:t>
+            </a:r>
+          </a:p>
+          <a:p>
+            <a:r>
+              <a:rPr lang="hu-HU" i="1" dirty="0"/>
+              <a:t>Megjegyzés: Egy igazi városi alkalmazásnál rendelkezésre állhatnak az előre szegmentált adatok</a:t>
+            </a:r>
+          </a:p>
+          <a:p>
+            <a:endParaRPr lang="hu-HU" dirty="0"/>
+          </a:p>
+        </p:txBody>
+      </p:sp>
+      <p:sp>
+        <p:nvSpPr>
+          <p:cNvPr id="4" name="Élőláb helye 3"/>
+          <p:cNvSpPr>
+            <a:spLocks noGrp="1"/>
+          </p:cNvSpPr>
+          <p:nvPr>
+            <p:ph type="ftr" sz="quarter" idx="11"/>
+          </p:nvPr>
+        </p:nvSpPr>
+        <p:spPr/>
+        <p:txBody>
+          <a:bodyPr/>
+          <a:lstStyle/>
+          <a:p>
+            <a:r>
+              <a:rPr lang="en-US"/>
+              <a:t>Bálint Márton 2017</a:t>
+            </a:r>
+            <a:endParaRPr lang="en-US" dirty="0"/>
+          </a:p>
+        </p:txBody>
+      </p:sp>
+    </p:spTree>
+    <p:extLst>
+      <p:ext uri="{BB962C8B-B14F-4D97-AF65-F5344CB8AC3E}">
+        <p14:creationId xmlns:p14="http://schemas.microsoft.com/office/powerpoint/2010/main" val="1903762725"/>
+      </p:ext>
+    </p:extLst>
+  </p:cSld>
+  <p:clrMapOvr>
+    <a:masterClrMapping/>
+  </p:clrMapOvr>
+</p:sld>
+</file>
+
+<file path=ppt/slides/slide6.xml><?xml version="1.0" encoding="utf-8"?>
+<p:sld xmlns:a="http://schemas.openxmlformats.org/drawingml/2006/main" xmlns:r="http://schemas.openxmlformats.org/officeDocument/2006/relationships" xmlns:p="http://schemas.openxmlformats.org/presentationml/2006/main">
+  <p:cSld>
+    <p:spTree>
+      <p:nvGrpSpPr>
+        <p:cNvPr id="1" name=""/>
+        <p:cNvGrpSpPr/>
+        <p:nvPr/>
+      </p:nvGrpSpPr>
+      <p:grpSpPr>
+        <a:xfrm>
+          <a:off x="0" y="0"/>
+          <a:ext cx="0" cy="0"/>
+          <a:chOff x="0" y="0"/>
+          <a:chExt cx="0" cy="0"/>
+        </a:xfrm>
+      </p:grpSpPr>
+      <p:sp>
+        <p:nvSpPr>
+          <p:cNvPr id="2" name="Cím 1"/>
+          <p:cNvSpPr>
+            <a:spLocks noGrp="1"/>
+          </p:cNvSpPr>
+          <p:nvPr>
+            <p:ph type="title"/>
+          </p:nvPr>
+        </p:nvSpPr>
+        <p:spPr/>
+        <p:txBody>
+          <a:bodyPr/>
+          <a:lstStyle/>
+          <a:p>
+            <a:r>
+              <a:rPr lang="hu-HU" dirty="0"/>
+              <a:t>Változásdetektálás</a:t>
+            </a:r>
+          </a:p>
+        </p:txBody>
+      </p:sp>
+      <p:sp>
+        <p:nvSpPr>
+          <p:cNvPr id="3" name="Tartalom helye 2"/>
+          <p:cNvSpPr>
+            <a:spLocks noGrp="1"/>
+          </p:cNvSpPr>
+          <p:nvPr>
+            <p:ph idx="1"/>
+          </p:nvPr>
+        </p:nvSpPr>
+        <p:spPr/>
+        <p:txBody>
+          <a:bodyPr/>
+          <a:lstStyle/>
+          <a:p>
+            <a:r>
+              <a:rPr lang="hu-HU" dirty="0"/>
+              <a:t>Az épületekkel 5 dolog történhet</a:t>
+            </a:r>
+          </a:p>
+          <a:p>
+            <a:pPr lvl="1"/>
+            <a:r>
+              <a:rPr lang="hu-HU" dirty="0"/>
+              <a:t>Felépül</a:t>
+            </a:r>
+          </a:p>
+          <a:p>
+            <a:pPr lvl="1"/>
+            <a:r>
+              <a:rPr lang="hu-HU" dirty="0"/>
+              <a:t>Lebontják</a:t>
+            </a:r>
+          </a:p>
+          <a:p>
+            <a:pPr lvl="1"/>
+            <a:r>
+              <a:rPr lang="hu-HU" dirty="0"/>
+              <a:t>Magasítanak rajta</a:t>
+            </a:r>
+          </a:p>
+          <a:p>
+            <a:pPr lvl="1"/>
+            <a:r>
+              <a:rPr lang="hu-HU" dirty="0"/>
+              <a:t>Alacsonyabb lesz (akár ember, akár természet által)</a:t>
+            </a:r>
+          </a:p>
+          <a:p>
+            <a:pPr lvl="1"/>
+            <a:r>
+              <a:rPr lang="hu-HU" dirty="0"/>
+              <a:t>Semmi</a:t>
+            </a:r>
+          </a:p>
+        </p:txBody>
+      </p:sp>
+      <p:sp>
+        <p:nvSpPr>
+          <p:cNvPr id="4" name="Élőláb helye 3"/>
+          <p:cNvSpPr>
+            <a:spLocks noGrp="1"/>
+          </p:cNvSpPr>
+          <p:nvPr>
+            <p:ph type="ftr" sz="quarter" idx="11"/>
+          </p:nvPr>
+        </p:nvSpPr>
+        <p:spPr/>
+        <p:txBody>
+          <a:bodyPr/>
+          <a:lstStyle/>
+          <a:p>
+            <a:r>
+              <a:rPr lang="en-US"/>
+              <a:t>Bálint Márton 2017</a:t>
+            </a:r>
+            <a:endParaRPr lang="en-US" dirty="0"/>
+          </a:p>
+        </p:txBody>
+      </p:sp>
+    </p:spTree>
+    <p:extLst>
+      <p:ext uri="{BB962C8B-B14F-4D97-AF65-F5344CB8AC3E}">
+        <p14:creationId xmlns:p14="http://schemas.microsoft.com/office/powerpoint/2010/main" val="1319655245"/>
+      </p:ext>
+    </p:extLst>
+  </p:cSld>
+  <p:clrMapOvr>
+    <a:masterClrMapping/>
+  </p:clrMapOvr>
+</p:sld>
+</file>
+
+<file path=ppt/slides/slide7.xml><?xml version="1.0" encoding="utf-8"?>
+<p:sld xmlns:a="http://schemas.openxmlformats.org/drawingml/2006/main" xmlns:r="http://schemas.openxmlformats.org/officeDocument/2006/relationships" xmlns:p="http://schemas.openxmlformats.org/presentationml/2006/main">
+  <p:cSld>
+    <p:spTree>
+      <p:nvGrpSpPr>
+        <p:cNvPr id="1" name=""/>
+        <p:cNvGrpSpPr/>
+        <p:nvPr/>
+      </p:nvGrpSpPr>
+      <p:grpSpPr>
+        <a:xfrm>
+          <a:off x="0" y="0"/>
+          <a:ext cx="0" cy="0"/>
+          <a:chOff x="0" y="0"/>
+          <a:chExt cx="0" cy="0"/>
+        </a:xfrm>
+      </p:grpSpPr>
+      <p:sp>
+        <p:nvSpPr>
+          <p:cNvPr id="2" name="Cím 1"/>
+          <p:cNvSpPr>
+            <a:spLocks noGrp="1"/>
+          </p:cNvSpPr>
+          <p:nvPr>
+            <p:ph type="title"/>
+          </p:nvPr>
+        </p:nvSpPr>
+        <p:spPr/>
+        <p:txBody>
+          <a:bodyPr/>
+          <a:lstStyle/>
+          <a:p>
+            <a:r>
+              <a:rPr lang="hu-HU" dirty="0"/>
+              <a:t>Változásdetektálás</a:t>
+            </a:r>
+          </a:p>
+        </p:txBody>
+      </p:sp>
+      <p:sp>
+        <p:nvSpPr>
+          <p:cNvPr id="3" name="Tartalom helye 2"/>
+          <p:cNvSpPr>
+            <a:spLocks noGrp="1"/>
+          </p:cNvSpPr>
+          <p:nvPr>
+            <p:ph idx="1"/>
+          </p:nvPr>
+        </p:nvSpPr>
+        <p:spPr/>
+        <p:txBody>
+          <a:bodyPr/>
+          <a:lstStyle/>
+          <a:p>
+            <a:r>
+              <a:rPr lang="hu-HU" dirty="0"/>
+              <a:t>Új vagy régi?</a:t>
+            </a:r>
+          </a:p>
+          <a:p>
+            <a:pPr lvl="1"/>
+            <a:r>
+              <a:rPr lang="hu-HU" dirty="0"/>
+              <a:t>Ha két szegmens között az átfedés a két időpillanatban 25%-</a:t>
+            </a:r>
+            <a:r>
+              <a:rPr lang="hu-HU" dirty="0" err="1"/>
+              <a:t>nál</a:t>
+            </a:r>
+            <a:r>
+              <a:rPr lang="hu-HU" dirty="0"/>
+              <a:t> kevesebb, akkor különböző épületeknek tekintjük őket.</a:t>
+            </a:r>
+          </a:p>
+          <a:p>
+            <a:pPr lvl="1"/>
+            <a:r>
+              <a:rPr lang="hu-HU" dirty="0"/>
+              <a:t>Ha van át fedés, akkor tovább vizsgáljuk, hogy lehet-e ugyanaz, ha túl sok a kilógó szegmens (pl. 75% ) akkor szintén </a:t>
+            </a:r>
+            <a:r>
+              <a:rPr lang="hu-HU" dirty="0" err="1"/>
+              <a:t>különbözőeknek</a:t>
+            </a:r>
+            <a:r>
+              <a:rPr lang="hu-HU" dirty="0"/>
+              <a:t> tekintjük őket</a:t>
+            </a:r>
+          </a:p>
+        </p:txBody>
+      </p:sp>
+      <p:sp>
+        <p:nvSpPr>
+          <p:cNvPr id="4" name="Élőláb helye 3"/>
+          <p:cNvSpPr>
+            <a:spLocks noGrp="1"/>
+          </p:cNvSpPr>
+          <p:nvPr>
+            <p:ph type="ftr" sz="quarter" idx="11"/>
+          </p:nvPr>
+        </p:nvSpPr>
+        <p:spPr/>
+        <p:txBody>
+          <a:bodyPr/>
+          <a:lstStyle/>
+          <a:p>
+            <a:r>
+              <a:rPr lang="en-US"/>
+              <a:t>Bálint Márton 2017</a:t>
+            </a:r>
+            <a:endParaRPr lang="en-US" dirty="0"/>
+          </a:p>
+        </p:txBody>
+      </p:sp>
+    </p:spTree>
+    <p:extLst>
+      <p:ext uri="{BB962C8B-B14F-4D97-AF65-F5344CB8AC3E}">
+        <p14:creationId xmlns:p14="http://schemas.microsoft.com/office/powerpoint/2010/main" val="2525511691"/>
+      </p:ext>
+    </p:extLst>
+  </p:cSld>
+  <p:clrMapOvr>
+    <a:masterClrMapping/>
+  </p:clrMapOvr>
+</p:sld>
+</file>
+
+<file path=ppt/slides/slide8.xml><?xml version="1.0" encoding="utf-8"?>
+<p:sld xmlns:a="http://schemas.openxmlformats.org/drawingml/2006/main" xmlns:r="http://schemas.openxmlformats.org/officeDocument/2006/relationships" xmlns:p="http://schemas.openxmlformats.org/presentationml/2006/main">
+  <p:cSld>
+    <p:spTree>
+      <p:nvGrpSpPr>
+        <p:cNvPr id="1" name=""/>
+        <p:cNvGrpSpPr/>
+        <p:nvPr/>
+      </p:nvGrpSpPr>
+      <p:grpSpPr>
+        <a:xfrm>
+          <a:off x="0" y="0"/>
+          <a:ext cx="0" cy="0"/>
+          <a:chOff x="0" y="0"/>
+          <a:chExt cx="0" cy="0"/>
+        </a:xfrm>
+      </p:grpSpPr>
+      <p:sp>
+        <p:nvSpPr>
+          <p:cNvPr id="2" name="Cím 1"/>
+          <p:cNvSpPr>
+            <a:spLocks noGrp="1"/>
+          </p:cNvSpPr>
+          <p:nvPr>
+            <p:ph type="title"/>
+          </p:nvPr>
+        </p:nvSpPr>
+        <p:spPr/>
+        <p:txBody>
+          <a:bodyPr/>
+          <a:lstStyle/>
+          <a:p>
+            <a:r>
+              <a:rPr lang="hu-HU" dirty="0"/>
+              <a:t>Változásdetektálás</a:t>
+            </a:r>
+          </a:p>
+        </p:txBody>
+      </p:sp>
+      <p:sp>
+        <p:nvSpPr>
+          <p:cNvPr id="3" name="Tartalom helye 2"/>
+          <p:cNvSpPr>
+            <a:spLocks noGrp="1"/>
+          </p:cNvSpPr>
+          <p:nvPr>
+            <p:ph idx="1"/>
+          </p:nvPr>
+        </p:nvSpPr>
+        <p:spPr/>
+        <p:txBody>
+          <a:bodyPr/>
+          <a:lstStyle/>
+          <a:p>
+            <a:r>
+              <a:rPr lang="hu-HU" dirty="0"/>
+              <a:t>Épület szint emelkedés/csökkenés</a:t>
+            </a:r>
+          </a:p>
+          <a:p>
+            <a:pPr lvl="1"/>
+            <a:r>
+              <a:rPr lang="hu-HU" dirty="0"/>
+              <a:t>Csak azokkal a szegmensekkel dolgozunk, amik az előző fázison átestek</a:t>
+            </a:r>
+          </a:p>
+          <a:p>
+            <a:pPr lvl="1"/>
+            <a:r>
+              <a:rPr lang="hu-HU" dirty="0"/>
+              <a:t>A két normalizált képet kivonjuk egymásból</a:t>
+            </a:r>
+          </a:p>
+          <a:p>
+            <a:pPr lvl="1"/>
+            <a:r>
+              <a:rPr lang="hu-HU" dirty="0"/>
+              <a:t>Opening operatort (nyitás műveletet) alkalmazunk a képre, hogy a jelentéktelen eltéréseket kiszűrjük</a:t>
+            </a:r>
+          </a:p>
+          <a:p>
+            <a:pPr lvl="1"/>
+            <a:r>
+              <a:rPr lang="hu-HU" dirty="0"/>
+              <a:t>Az így megmaradt szegmenseket tekintjük változott épületeknek</a:t>
+            </a:r>
+          </a:p>
+        </p:txBody>
+      </p:sp>
+      <p:sp>
+        <p:nvSpPr>
+          <p:cNvPr id="4" name="Élőláb helye 3"/>
+          <p:cNvSpPr>
+            <a:spLocks noGrp="1"/>
+          </p:cNvSpPr>
+          <p:nvPr>
+            <p:ph type="ftr" sz="quarter" idx="11"/>
+          </p:nvPr>
+        </p:nvSpPr>
+        <p:spPr/>
+        <p:txBody>
+          <a:bodyPr/>
+          <a:lstStyle/>
+          <a:p>
+            <a:r>
+              <a:rPr lang="en-US"/>
+              <a:t>Bálint Márton 2017</a:t>
+            </a:r>
+            <a:endParaRPr lang="en-US" dirty="0"/>
+          </a:p>
+        </p:txBody>
+      </p:sp>
+    </p:spTree>
+    <p:extLst>
+      <p:ext uri="{BB962C8B-B14F-4D97-AF65-F5344CB8AC3E}">
+        <p14:creationId xmlns:p14="http://schemas.microsoft.com/office/powerpoint/2010/main" val="3546741834"/>
+      </p:ext>
+    </p:extLst>
+  </p:cSld>
+  <p:clrMapOvr>
+    <a:masterClrMapping/>
+  </p:clrMapOvr>
+</p:sld>
+</file>
+
+<file path=ppt/slides/slide9.xml><?xml version="1.0" encoding="utf-8"?>
+<p:sld xmlns:a="http://schemas.openxmlformats.org/drawingml/2006/main" xmlns:r="http://schemas.openxmlformats.org/officeDocument/2006/relationships" xmlns:p="http://schemas.openxmlformats.org/presentationml/2006/main">
+  <p:cSld>
+    <p:spTree>
+      <p:nvGrpSpPr>
+        <p:cNvPr id="1" name=""/>
+        <p:cNvGrpSpPr/>
+        <p:nvPr/>
+      </p:nvGrpSpPr>
+      <p:grpSpPr>
+        <a:xfrm>
+          <a:off x="0" y="0"/>
+          <a:ext cx="0" cy="0"/>
+          <a:chOff x="0" y="0"/>
+          <a:chExt cx="0" cy="0"/>
+        </a:xfrm>
+      </p:grpSpPr>
+      <p:sp>
+        <p:nvSpPr>
+          <p:cNvPr id="14" name="Rectangle 13"/>
+          <p:cNvSpPr>
+            <a:spLocks noGrp="1" noRot="1" noChangeAspect="1" noMove="1" noResize="1" noEditPoints="1" noAdjustHandles="1" noChangeArrowheads="1" noChangeShapeType="1" noTextEdit="1"/>
+          </p:cNvSpPr>
+          <p:nvPr>
+            <p:extLst>
+              <p:ext uri="{386F3935-93C4-4BCD-93E2-E3B085C9AB24}">
+                <p16:designElem xmlns:p16="http://schemas.microsoft.com/office/powerpoint/2015/main" val="1"/>
+              </p:ext>
+            </p:extLst>
+          </p:nvPr>
+        </p:nvSpPr>
+        <p:spPr>
+          <a:xfrm>
+            <a:off x="13384" y="0"/>
+            <a:ext cx="8116488" cy="6858000"/>
+          </a:xfrm>
+          <a:prstGeom prst="rect">
+            <a:avLst/>
+          </a:prstGeom>
+          <a:solidFill>
+            <a:schemeClr val="bg1">
+              <a:alpha val="20000"/>
+            </a:schemeClr>
+          </a:solidFill>
+          <a:ln>
+            <a:noFill/>
+          </a:ln>
+          <a:effectLst>
+            <a:innerShdw blurRad="139700" dist="50800" dir="5400000">
+              <a:prstClr val="black">
+                <a:alpha val="20000"/>
+              </a:prstClr>
+            </a:innerShdw>
+          </a:effectLst>
+        </p:spPr>
+        <p:style>
+          <a:lnRef idx="2">
+            <a:schemeClr val="accent1">
+              <a:shade val="50000"/>
+            </a:schemeClr>
+          </a:lnRef>
+          <a:fillRef idx="1">
+            <a:schemeClr val="accent1"/>
+          </a:fillRef>
+          <a:effectRef idx="0">
+            <a:schemeClr val="accent1"/>
+          </a:effectRef>
+          <a:fontRef idx="minor">
+            <a:schemeClr val="lt1"/>
+          </a:fontRef>
+        </p:style>
+        <p:txBody>
+          <a:bodyPr rtlCol="0" anchor="ctr"/>
+          <a:lstStyle/>
+          <a:p>
+            <a:pPr algn="ctr"/>
+            <a:endParaRPr lang="en-US"/>
+          </a:p>
+        </p:txBody>
+      </p:sp>
+      <p:sp useBgFill="1">
+        <p:nvSpPr>
+          <p:cNvPr id="16" name="Rectangle 15"/>
+          <p:cNvSpPr>
+            <a:spLocks noGrp="1" noRot="1" noChangeAspect="1" noMove="1" noResize="1" noEditPoints="1" noAdjustHandles="1" noChangeArrowheads="1" noChangeShapeType="1" noTextEdit="1"/>
+          </p:cNvSpPr>
+          <p:nvPr>
+            <p:extLst>
+              <p:ext uri="{386F3935-93C4-4BCD-93E2-E3B085C9AB24}">
+                <p16:designElem xmlns:p16="http://schemas.microsoft.com/office/powerpoint/2015/main" val="1"/>
+              </p:ext>
+            </p:extLst>
+          </p:nvPr>
+        </p:nvSpPr>
+        <p:spPr>
+          <a:xfrm>
+            <a:off x="8129872" y="1"/>
+            <a:ext cx="4062127" cy="6857996"/>
+          </a:xfrm>
+          <a:prstGeom prst="rect">
+            <a:avLst/>
+          </a:prstGeom>
+          <a:ln>
+            <a:noFill/>
+          </a:ln>
+          <a:effectLst>
+            <a:outerShdw blurRad="50800" dist="38100" dir="10800000" algn="r" rotWithShape="0">
+              <a:prstClr val="black">
+                <a:alpha val="40000"/>
+              </a:prstClr>
+            </a:outerShdw>
+          </a:effectLst>
+        </p:spPr>
+        <p:style>
+          <a:lnRef idx="2">
+            <a:schemeClr val="accent1">
+              <a:shade val="50000"/>
+            </a:schemeClr>
+          </a:lnRef>
+          <a:fillRef idx="1">
+            <a:schemeClr val="accent1"/>
+          </a:fillRef>
+          <a:effectRef idx="0">
+            <a:schemeClr val="accent1"/>
+          </a:effectRef>
+          <a:fontRef idx="minor">
+            <a:schemeClr val="lt1"/>
+          </a:fontRef>
+        </p:style>
+        <p:txBody>
+          <a:bodyPr rtlCol="0" anchor="ctr"/>
+          <a:lstStyle/>
+          <a:p>
+            <a:pPr algn="ctr"/>
+            <a:endParaRPr lang="en-US"/>
+          </a:p>
+        </p:txBody>
+      </p:sp>
+      <p:sp>
+        <p:nvSpPr>
+          <p:cNvPr id="2" name="Cím 1"/>
+          <p:cNvSpPr>
+            <a:spLocks noGrp="1"/>
+          </p:cNvSpPr>
+          <p:nvPr>
+            <p:ph type="title"/>
+          </p:nvPr>
+        </p:nvSpPr>
+        <p:spPr>
+          <a:xfrm>
+            <a:off x="8610600" y="643468"/>
+            <a:ext cx="2944152" cy="2845320"/>
+          </a:xfrm>
+        </p:spPr>
+        <p:txBody>
+          <a:bodyPr anchor="b">
+            <a:normAutofit/>
+          </a:bodyPr>
+          <a:lstStyle/>
+          <a:p>
+            <a:r>
+              <a:rPr lang="hu-HU" sz="3600" dirty="0">
+                <a:solidFill>
+                  <a:schemeClr val="tx1"/>
+                </a:solidFill>
+              </a:rPr>
+              <a:t>Minta eredmények: osztályozás nélküli különbségek</a:t>
+            </a:r>
+          </a:p>
+        </p:txBody>
+      </p:sp>
+      <p:sp>
+        <p:nvSpPr>
+          <p:cNvPr id="4" name="Élőláb helye 3"/>
+          <p:cNvSpPr>
+            <a:spLocks noGrp="1"/>
+          </p:cNvSpPr>
+          <p:nvPr>
+            <p:ph type="ftr" sz="quarter" idx="11"/>
+          </p:nvPr>
+        </p:nvSpPr>
+        <p:spPr>
+          <a:xfrm>
+            <a:off x="3421713" y="6356350"/>
+            <a:ext cx="4114800" cy="365125"/>
+          </a:xfrm>
+        </p:spPr>
+        <p:txBody>
+          <a:bodyPr>
+            <a:normAutofit/>
+          </a:bodyPr>
+          <a:lstStyle/>
+          <a:p>
+            <a:pPr algn="r"/>
+            <a:r>
+              <a:rPr lang="en-US"/>
+              <a:t>Bálint Márton 2017</a:t>
+            </a:r>
+          </a:p>
+        </p:txBody>
+      </p:sp>
+      <p:sp>
+        <p:nvSpPr>
+          <p:cNvPr id="6" name="Tartalom helye 5"/>
+          <p:cNvSpPr>
+            <a:spLocks noGrp="1"/>
+          </p:cNvSpPr>
+          <p:nvPr>
+            <p:ph idx="1"/>
+          </p:nvPr>
+        </p:nvSpPr>
+        <p:spPr>
+          <a:xfrm>
+            <a:off x="8610599" y="4132255"/>
+            <a:ext cx="2944151" cy="2044708"/>
+          </a:xfrm>
+        </p:spPr>
+        <p:txBody>
+          <a:bodyPr>
+            <a:normAutofit/>
+          </a:bodyPr>
+          <a:lstStyle/>
+          <a:p>
+            <a:endParaRPr lang="hu-HU" sz="1600" dirty="0">
+              <a:gradFill>
+                <a:gsLst>
+                  <a:gs pos="34000">
+                    <a:schemeClr val="tx1">
+                      <a:lumMod val="93000"/>
+                    </a:schemeClr>
+                  </a:gs>
+                  <a:gs pos="0">
+                    <a:schemeClr val="bg1">
+                      <a:lumMod val="25000"/>
+                      <a:lumOff val="75000"/>
+                    </a:schemeClr>
+                  </a:gs>
+                  <a:gs pos="100000">
+                    <a:schemeClr val="tx1"/>
+                  </a:gs>
+                </a:gsLst>
+                <a:lin ang="4800000" scaled="0"/>
+              </a:gradFill>
+            </a:endParaRPr>
+          </a:p>
+        </p:txBody>
+      </p:sp>
+      <p:pic>
+        <p:nvPicPr>
+          <p:cNvPr id="3" name="Kép 2"/>
+          <p:cNvPicPr>
+            <a:picLocks noChangeAspect="1"/>
+          </p:cNvPicPr>
+          <p:nvPr/>
+        </p:nvPicPr>
+        <p:blipFill>
+          <a:blip r:embed="rId2"/>
+          <a:stretch>
+            <a:fillRect/>
+          </a:stretch>
+        </p:blipFill>
+        <p:spPr>
+          <a:xfrm>
+            <a:off x="790744" y="283258"/>
+            <a:ext cx="5556650" cy="6073091"/>
+          </a:xfrm>
+          <a:prstGeom prst="rect">
+            <a:avLst/>
+          </a:prstGeom>
+        </p:spPr>
+      </p:pic>
+    </p:spTree>
+    <p:extLst>
+      <p:ext uri="{BB962C8B-B14F-4D97-AF65-F5344CB8AC3E}">
+        <p14:creationId xmlns:p14="http://schemas.microsoft.com/office/powerpoint/2010/main" val="1519514932"/>
       </p:ext>
     </p:extLst>
   </p:cSld>

--- a/Presentation/Térinformatikai és távérzékelési alkalmazások  fejlesztése.pptx
+++ b/Presentation/Térinformatikai és távérzékelési alkalmazások  fejlesztése.pptx
@@ -5,7 +5,7 @@
     <p:sldMasterId id="2147483648" r:id="rId1"/>
   </p:sldMasterIdLst>
   <p:notesMasterIdLst>
-    <p:notesMasterId r:id="rId16"/>
+    <p:notesMasterId r:id="rId17"/>
   </p:notesMasterIdLst>
   <p:sldIdLst>
     <p:sldId id="256" r:id="rId2"/>
@@ -21,7 +21,8 @@
     <p:sldId id="270" r:id="rId12"/>
     <p:sldId id="265" r:id="rId13"/>
     <p:sldId id="267" r:id="rId14"/>
-    <p:sldId id="259" r:id="rId15"/>
+    <p:sldId id="271" r:id="rId15"/>
+    <p:sldId id="259" r:id="rId16"/>
   </p:sldIdLst>
   <p:sldSz cx="12192000" cy="6858000"/>
   <p:notesSz cx="6858000" cy="9144000"/>
@@ -7000,6 +7001,110 @@
 </file>
 
 <file path=ppt/slides/slide14.xml><?xml version="1.0" encoding="utf-8"?>
+<p:sld xmlns:a="http://schemas.openxmlformats.org/drawingml/2006/main" xmlns:r="http://schemas.openxmlformats.org/officeDocument/2006/relationships" xmlns:p="http://schemas.openxmlformats.org/presentationml/2006/main">
+  <p:cSld>
+    <p:spTree>
+      <p:nvGrpSpPr>
+        <p:cNvPr id="1" name=""/>
+        <p:cNvGrpSpPr/>
+        <p:nvPr/>
+      </p:nvGrpSpPr>
+      <p:grpSpPr>
+        <a:xfrm>
+          <a:off x="0" y="0"/>
+          <a:ext cx="0" cy="0"/>
+          <a:chOff x="0" y="0"/>
+          <a:chExt cx="0" cy="0"/>
+        </a:xfrm>
+      </p:grpSpPr>
+      <p:sp>
+        <p:nvSpPr>
+          <p:cNvPr id="2" name="Cím 1"/>
+          <p:cNvSpPr>
+            <a:spLocks noGrp="1"/>
+          </p:cNvSpPr>
+          <p:nvPr>
+            <p:ph type="title"/>
+          </p:nvPr>
+        </p:nvSpPr>
+        <p:spPr/>
+        <p:txBody>
+          <a:bodyPr>
+            <a:normAutofit/>
+          </a:bodyPr>
+          <a:lstStyle/>
+          <a:p>
+            <a:r>
+              <a:rPr lang="hu-HU"/>
+              <a:t>Eredmények – példa</a:t>
+            </a:r>
+            <a:endParaRPr lang="hu-HU" dirty="0"/>
+          </a:p>
+        </p:txBody>
+      </p:sp>
+      <p:pic>
+        <p:nvPicPr>
+          <p:cNvPr id="5" name="Tartalom helye 4"/>
+          <p:cNvPicPr>
+            <a:picLocks noGrp="1" noChangeAspect="1"/>
+          </p:cNvPicPr>
+          <p:nvPr>
+            <p:ph idx="1"/>
+          </p:nvPr>
+        </p:nvPicPr>
+        <p:blipFill>
+          <a:blip r:embed="rId2"/>
+          <a:stretch>
+            <a:fillRect/>
+          </a:stretch>
+        </p:blipFill>
+        <p:spPr>
+          <a:xfrm>
+            <a:off x="2717341" y="1825625"/>
+            <a:ext cx="7039893" cy="4351338"/>
+          </a:xfrm>
+          <a:prstGeom prst="rect">
+            <a:avLst/>
+          </a:prstGeom>
+        </p:spPr>
+      </p:pic>
+      <p:sp>
+        <p:nvSpPr>
+          <p:cNvPr id="4" name="Élőláb helye 3"/>
+          <p:cNvSpPr>
+            <a:spLocks noGrp="1"/>
+          </p:cNvSpPr>
+          <p:nvPr>
+            <p:ph type="ftr" sz="quarter" idx="11"/>
+          </p:nvPr>
+        </p:nvSpPr>
+        <p:spPr/>
+        <p:txBody>
+          <a:bodyPr/>
+          <a:lstStyle/>
+          <a:p>
+            <a:r>
+              <a:rPr lang="en-US"/>
+              <a:t>Bálint Márton 2017</a:t>
+            </a:r>
+            <a:endParaRPr lang="en-US" dirty="0"/>
+          </a:p>
+        </p:txBody>
+      </p:sp>
+    </p:spTree>
+    <p:extLst>
+      <p:ext uri="{BB962C8B-B14F-4D97-AF65-F5344CB8AC3E}">
+        <p14:creationId xmlns:p14="http://schemas.microsoft.com/office/powerpoint/2010/main" val="2123530815"/>
+      </p:ext>
+    </p:extLst>
+  </p:cSld>
+  <p:clrMapOvr>
+    <a:masterClrMapping/>
+  </p:clrMapOvr>
+</p:sld>
+</file>
+
+<file path=ppt/slides/slide15.xml><?xml version="1.0" encoding="utf-8"?>
 <p:sld xmlns:a="http://schemas.openxmlformats.org/drawingml/2006/main" xmlns:r="http://schemas.openxmlformats.org/officeDocument/2006/relationships" xmlns:p="http://schemas.openxmlformats.org/presentationml/2006/main">
   <p:cSld>
     <p:spTree>
